--- a/algorithm/image/algorithm_image.pptx
+++ b/algorithm/image/algorithm_image.pptx
@@ -251,7 +251,7 @@
           <a:p>
             <a:fld id="{CCDA181A-3D57-40ED-B8A1-55EF0DBBC939}" type="datetimeFigureOut">
               <a:rPr lang="ko-KR" altLang="en-US" smtClean="0"/>
-              <a:t>2022-02-23</a:t>
+              <a:t>2022-03-24</a:t>
             </a:fld>
             <a:endParaRPr lang="ko-KR" altLang="en-US"/>
           </a:p>
@@ -421,7 +421,7 @@
           <a:p>
             <a:fld id="{CCDA181A-3D57-40ED-B8A1-55EF0DBBC939}" type="datetimeFigureOut">
               <a:rPr lang="ko-KR" altLang="en-US" smtClean="0"/>
-              <a:t>2022-02-23</a:t>
+              <a:t>2022-03-24</a:t>
             </a:fld>
             <a:endParaRPr lang="ko-KR" altLang="en-US"/>
           </a:p>
@@ -601,7 +601,7 @@
           <a:p>
             <a:fld id="{CCDA181A-3D57-40ED-B8A1-55EF0DBBC939}" type="datetimeFigureOut">
               <a:rPr lang="ko-KR" altLang="en-US" smtClean="0"/>
-              <a:t>2022-02-23</a:t>
+              <a:t>2022-03-24</a:t>
             </a:fld>
             <a:endParaRPr lang="ko-KR" altLang="en-US"/>
           </a:p>
@@ -771,7 +771,7 @@
           <a:p>
             <a:fld id="{CCDA181A-3D57-40ED-B8A1-55EF0DBBC939}" type="datetimeFigureOut">
               <a:rPr lang="ko-KR" altLang="en-US" smtClean="0"/>
-              <a:t>2022-02-23</a:t>
+              <a:t>2022-03-24</a:t>
             </a:fld>
             <a:endParaRPr lang="ko-KR" altLang="en-US"/>
           </a:p>
@@ -1017,7 +1017,7 @@
           <a:p>
             <a:fld id="{CCDA181A-3D57-40ED-B8A1-55EF0DBBC939}" type="datetimeFigureOut">
               <a:rPr lang="ko-KR" altLang="en-US" smtClean="0"/>
-              <a:t>2022-02-23</a:t>
+              <a:t>2022-03-24</a:t>
             </a:fld>
             <a:endParaRPr lang="ko-KR" altLang="en-US"/>
           </a:p>
@@ -1249,7 +1249,7 @@
           <a:p>
             <a:fld id="{CCDA181A-3D57-40ED-B8A1-55EF0DBBC939}" type="datetimeFigureOut">
               <a:rPr lang="ko-KR" altLang="en-US" smtClean="0"/>
-              <a:t>2022-02-23</a:t>
+              <a:t>2022-03-24</a:t>
             </a:fld>
             <a:endParaRPr lang="ko-KR" altLang="en-US"/>
           </a:p>
@@ -1616,7 +1616,7 @@
           <a:p>
             <a:fld id="{CCDA181A-3D57-40ED-B8A1-55EF0DBBC939}" type="datetimeFigureOut">
               <a:rPr lang="ko-KR" altLang="en-US" smtClean="0"/>
-              <a:t>2022-02-23</a:t>
+              <a:t>2022-03-24</a:t>
             </a:fld>
             <a:endParaRPr lang="ko-KR" altLang="en-US"/>
           </a:p>
@@ -1734,7 +1734,7 @@
           <a:p>
             <a:fld id="{CCDA181A-3D57-40ED-B8A1-55EF0DBBC939}" type="datetimeFigureOut">
               <a:rPr lang="ko-KR" altLang="en-US" smtClean="0"/>
-              <a:t>2022-02-23</a:t>
+              <a:t>2022-03-24</a:t>
             </a:fld>
             <a:endParaRPr lang="ko-KR" altLang="en-US"/>
           </a:p>
@@ -1829,7 +1829,7 @@
           <a:p>
             <a:fld id="{CCDA181A-3D57-40ED-B8A1-55EF0DBBC939}" type="datetimeFigureOut">
               <a:rPr lang="ko-KR" altLang="en-US" smtClean="0"/>
-              <a:t>2022-02-23</a:t>
+              <a:t>2022-03-24</a:t>
             </a:fld>
             <a:endParaRPr lang="ko-KR" altLang="en-US"/>
           </a:p>
@@ -2106,7 +2106,7 @@
           <a:p>
             <a:fld id="{CCDA181A-3D57-40ED-B8A1-55EF0DBBC939}" type="datetimeFigureOut">
               <a:rPr lang="ko-KR" altLang="en-US" smtClean="0"/>
-              <a:t>2022-02-23</a:t>
+              <a:t>2022-03-24</a:t>
             </a:fld>
             <a:endParaRPr lang="ko-KR" altLang="en-US"/>
           </a:p>
@@ -2363,7 +2363,7 @@
           <a:p>
             <a:fld id="{CCDA181A-3D57-40ED-B8A1-55EF0DBBC939}" type="datetimeFigureOut">
               <a:rPr lang="ko-KR" altLang="en-US" smtClean="0"/>
-              <a:t>2022-02-23</a:t>
+              <a:t>2022-03-24</a:t>
             </a:fld>
             <a:endParaRPr lang="ko-KR" altLang="en-US"/>
           </a:p>
@@ -2576,7 +2576,7 @@
           <a:p>
             <a:fld id="{CCDA181A-3D57-40ED-B8A1-55EF0DBBC939}" type="datetimeFigureOut">
               <a:rPr lang="ko-KR" altLang="en-US" smtClean="0"/>
-              <a:t>2022-02-23</a:t>
+              <a:t>2022-03-24</a:t>
             </a:fld>
             <a:endParaRPr lang="ko-KR" altLang="en-US"/>
           </a:p>

--- a/algorithm/image/algorithm_image.pptx
+++ b/algorithm/image/algorithm_image.pptx
@@ -14,6 +14,7 @@
     <p:sldId id="263" r:id="rId8"/>
     <p:sldId id="261" r:id="rId9"/>
     <p:sldId id="264" r:id="rId10"/>
+    <p:sldId id="265" r:id="rId11"/>
   </p:sldIdLst>
   <p:sldSz cx="29111575" cy="14417675"/>
   <p:notesSz cx="6858000" cy="9144000"/>
@@ -251,7 +252,7 @@
           <a:p>
             <a:fld id="{CCDA181A-3D57-40ED-B8A1-55EF0DBBC939}" type="datetimeFigureOut">
               <a:rPr lang="ko-KR" altLang="en-US" smtClean="0"/>
-              <a:t>2022-03-24</a:t>
+              <a:t>2022-04-13</a:t>
             </a:fld>
             <a:endParaRPr lang="ko-KR" altLang="en-US"/>
           </a:p>
@@ -421,7 +422,7 @@
           <a:p>
             <a:fld id="{CCDA181A-3D57-40ED-B8A1-55EF0DBBC939}" type="datetimeFigureOut">
               <a:rPr lang="ko-KR" altLang="en-US" smtClean="0"/>
-              <a:t>2022-03-24</a:t>
+              <a:t>2022-04-13</a:t>
             </a:fld>
             <a:endParaRPr lang="ko-KR" altLang="en-US"/>
           </a:p>
@@ -601,7 +602,7 @@
           <a:p>
             <a:fld id="{CCDA181A-3D57-40ED-B8A1-55EF0DBBC939}" type="datetimeFigureOut">
               <a:rPr lang="ko-KR" altLang="en-US" smtClean="0"/>
-              <a:t>2022-03-24</a:t>
+              <a:t>2022-04-13</a:t>
             </a:fld>
             <a:endParaRPr lang="ko-KR" altLang="en-US"/>
           </a:p>
@@ -771,7 +772,7 @@
           <a:p>
             <a:fld id="{CCDA181A-3D57-40ED-B8A1-55EF0DBBC939}" type="datetimeFigureOut">
               <a:rPr lang="ko-KR" altLang="en-US" smtClean="0"/>
-              <a:t>2022-03-24</a:t>
+              <a:t>2022-04-13</a:t>
             </a:fld>
             <a:endParaRPr lang="ko-KR" altLang="en-US"/>
           </a:p>
@@ -1017,7 +1018,7 @@
           <a:p>
             <a:fld id="{CCDA181A-3D57-40ED-B8A1-55EF0DBBC939}" type="datetimeFigureOut">
               <a:rPr lang="ko-KR" altLang="en-US" smtClean="0"/>
-              <a:t>2022-03-24</a:t>
+              <a:t>2022-04-13</a:t>
             </a:fld>
             <a:endParaRPr lang="ko-KR" altLang="en-US"/>
           </a:p>
@@ -1249,7 +1250,7 @@
           <a:p>
             <a:fld id="{CCDA181A-3D57-40ED-B8A1-55EF0DBBC939}" type="datetimeFigureOut">
               <a:rPr lang="ko-KR" altLang="en-US" smtClean="0"/>
-              <a:t>2022-03-24</a:t>
+              <a:t>2022-04-13</a:t>
             </a:fld>
             <a:endParaRPr lang="ko-KR" altLang="en-US"/>
           </a:p>
@@ -1616,7 +1617,7 @@
           <a:p>
             <a:fld id="{CCDA181A-3D57-40ED-B8A1-55EF0DBBC939}" type="datetimeFigureOut">
               <a:rPr lang="ko-KR" altLang="en-US" smtClean="0"/>
-              <a:t>2022-03-24</a:t>
+              <a:t>2022-04-13</a:t>
             </a:fld>
             <a:endParaRPr lang="ko-KR" altLang="en-US"/>
           </a:p>
@@ -1734,7 +1735,7 @@
           <a:p>
             <a:fld id="{CCDA181A-3D57-40ED-B8A1-55EF0DBBC939}" type="datetimeFigureOut">
               <a:rPr lang="ko-KR" altLang="en-US" smtClean="0"/>
-              <a:t>2022-03-24</a:t>
+              <a:t>2022-04-13</a:t>
             </a:fld>
             <a:endParaRPr lang="ko-KR" altLang="en-US"/>
           </a:p>
@@ -1829,7 +1830,7 @@
           <a:p>
             <a:fld id="{CCDA181A-3D57-40ED-B8A1-55EF0DBBC939}" type="datetimeFigureOut">
               <a:rPr lang="ko-KR" altLang="en-US" smtClean="0"/>
-              <a:t>2022-03-24</a:t>
+              <a:t>2022-04-13</a:t>
             </a:fld>
             <a:endParaRPr lang="ko-KR" altLang="en-US"/>
           </a:p>
@@ -2106,7 +2107,7 @@
           <a:p>
             <a:fld id="{CCDA181A-3D57-40ED-B8A1-55EF0DBBC939}" type="datetimeFigureOut">
               <a:rPr lang="ko-KR" altLang="en-US" smtClean="0"/>
-              <a:t>2022-03-24</a:t>
+              <a:t>2022-04-13</a:t>
             </a:fld>
             <a:endParaRPr lang="ko-KR" altLang="en-US"/>
           </a:p>
@@ -2363,7 +2364,7 @@
           <a:p>
             <a:fld id="{CCDA181A-3D57-40ED-B8A1-55EF0DBBC939}" type="datetimeFigureOut">
               <a:rPr lang="ko-KR" altLang="en-US" smtClean="0"/>
-              <a:t>2022-03-24</a:t>
+              <a:t>2022-04-13</a:t>
             </a:fld>
             <a:endParaRPr lang="ko-KR" altLang="en-US"/>
           </a:p>
@@ -2576,7 +2577,7 @@
           <a:p>
             <a:fld id="{CCDA181A-3D57-40ED-B8A1-55EF0DBBC939}" type="datetimeFigureOut">
               <a:rPr lang="ko-KR" altLang="en-US" smtClean="0"/>
-              <a:t>2022-03-24</a:t>
+              <a:t>2022-04-13</a:t>
             </a:fld>
             <a:endParaRPr lang="ko-KR" altLang="en-US"/>
           </a:p>
@@ -12109,6 +12110,2742 @@
 </p:sld>
 </file>
 
+<file path=ppt/slides/slide10.xml><?xml version="1.0" encoding="utf-8"?>
+<p:sld xmlns:a="http://schemas.openxmlformats.org/drawingml/2006/main" xmlns:r="http://schemas.openxmlformats.org/officeDocument/2006/relationships" xmlns:p="http://schemas.openxmlformats.org/presentationml/2006/main">
+  <p:cSld>
+    <p:spTree>
+      <p:nvGrpSpPr>
+        <p:cNvPr id="1" name=""/>
+        <p:cNvGrpSpPr/>
+        <p:nvPr/>
+      </p:nvGrpSpPr>
+      <p:grpSpPr>
+        <a:xfrm>
+          <a:off x="0" y="0"/>
+          <a:ext cx="0" cy="0"/>
+          <a:chOff x="0" y="0"/>
+          <a:chExt cx="0" cy="0"/>
+        </a:xfrm>
+      </p:grpSpPr>
+      <p:sp>
+        <p:nvSpPr>
+          <p:cNvPr id="4" name="직사각형 3">
+            <a:extLst>
+              <a:ext uri="{FF2B5EF4-FFF2-40B4-BE49-F238E27FC236}">
+                <a16:creationId xmlns:a16="http://schemas.microsoft.com/office/drawing/2014/main" id="{EABE1C03-3781-44AC-8934-88FD6EC422F1}"/>
+              </a:ext>
+            </a:extLst>
+          </p:cNvPr>
+          <p:cNvSpPr/>
+          <p:nvPr/>
+        </p:nvSpPr>
+        <p:spPr>
+          <a:xfrm>
+            <a:off x="5930435" y="4110070"/>
+            <a:ext cx="713120" cy="657461"/>
+          </a:xfrm>
+          <a:prstGeom prst="rect">
+            <a:avLst/>
+          </a:prstGeom>
+          <a:noFill/>
+        </p:spPr>
+        <p:style>
+          <a:lnRef idx="2">
+            <a:schemeClr val="accent1">
+              <a:shade val="50000"/>
+            </a:schemeClr>
+          </a:lnRef>
+          <a:fillRef idx="1">
+            <a:schemeClr val="accent1"/>
+          </a:fillRef>
+          <a:effectRef idx="0">
+            <a:schemeClr val="accent1"/>
+          </a:effectRef>
+          <a:fontRef idx="minor">
+            <a:schemeClr val="lt1"/>
+          </a:fontRef>
+        </p:style>
+        <p:txBody>
+          <a:bodyPr rtlCol="0" anchor="ctr"/>
+          <a:lstStyle/>
+          <a:p>
+            <a:pPr algn="ctr"/>
+            <a:r>
+              <a:rPr lang="en-US" altLang="ko-KR">
+                <a:solidFill>
+                  <a:schemeClr val="tx1"/>
+                </a:solidFill>
+              </a:rPr>
+              <a:t>0</a:t>
+            </a:r>
+            <a:endParaRPr lang="ko-KR" altLang="en-US">
+              <a:solidFill>
+                <a:schemeClr val="tx1"/>
+              </a:solidFill>
+            </a:endParaRPr>
+          </a:p>
+        </p:txBody>
+      </p:sp>
+      <p:sp>
+        <p:nvSpPr>
+          <p:cNvPr id="5" name="직사각형 4">
+            <a:extLst>
+              <a:ext uri="{FF2B5EF4-FFF2-40B4-BE49-F238E27FC236}">
+                <a16:creationId xmlns:a16="http://schemas.microsoft.com/office/drawing/2014/main" id="{470E6569-5797-4830-8214-873ECDB15DC2}"/>
+              </a:ext>
+            </a:extLst>
+          </p:cNvPr>
+          <p:cNvSpPr/>
+          <p:nvPr/>
+        </p:nvSpPr>
+        <p:spPr>
+          <a:xfrm>
+            <a:off x="6643555" y="4110070"/>
+            <a:ext cx="713120" cy="657461"/>
+          </a:xfrm>
+          <a:prstGeom prst="rect">
+            <a:avLst/>
+          </a:prstGeom>
+          <a:noFill/>
+        </p:spPr>
+        <p:style>
+          <a:lnRef idx="2">
+            <a:schemeClr val="accent1">
+              <a:shade val="50000"/>
+            </a:schemeClr>
+          </a:lnRef>
+          <a:fillRef idx="1">
+            <a:schemeClr val="accent1"/>
+          </a:fillRef>
+          <a:effectRef idx="0">
+            <a:schemeClr val="accent1"/>
+          </a:effectRef>
+          <a:fontRef idx="minor">
+            <a:schemeClr val="lt1"/>
+          </a:fontRef>
+        </p:style>
+        <p:txBody>
+          <a:bodyPr rtlCol="0" anchor="ctr"/>
+          <a:lstStyle/>
+          <a:p>
+            <a:pPr algn="ctr"/>
+            <a:r>
+              <a:rPr lang="en-US" altLang="ko-KR">
+                <a:solidFill>
+                  <a:schemeClr val="tx1"/>
+                </a:solidFill>
+              </a:rPr>
+              <a:t>1</a:t>
+            </a:r>
+            <a:endParaRPr lang="ko-KR" altLang="en-US">
+              <a:solidFill>
+                <a:schemeClr val="tx1"/>
+              </a:solidFill>
+            </a:endParaRPr>
+          </a:p>
+        </p:txBody>
+      </p:sp>
+      <p:sp>
+        <p:nvSpPr>
+          <p:cNvPr id="6" name="직사각형 5">
+            <a:extLst>
+              <a:ext uri="{FF2B5EF4-FFF2-40B4-BE49-F238E27FC236}">
+                <a16:creationId xmlns:a16="http://schemas.microsoft.com/office/drawing/2014/main" id="{B0AEE301-0BEF-49EF-9FA9-8AFA78E116D0}"/>
+              </a:ext>
+            </a:extLst>
+          </p:cNvPr>
+          <p:cNvSpPr/>
+          <p:nvPr/>
+        </p:nvSpPr>
+        <p:spPr>
+          <a:xfrm>
+            <a:off x="7365930" y="4110069"/>
+            <a:ext cx="713120" cy="657461"/>
+          </a:xfrm>
+          <a:prstGeom prst="rect">
+            <a:avLst/>
+          </a:prstGeom>
+          <a:noFill/>
+        </p:spPr>
+        <p:style>
+          <a:lnRef idx="2">
+            <a:schemeClr val="accent1">
+              <a:shade val="50000"/>
+            </a:schemeClr>
+          </a:lnRef>
+          <a:fillRef idx="1">
+            <a:schemeClr val="accent1"/>
+          </a:fillRef>
+          <a:effectRef idx="0">
+            <a:schemeClr val="accent1"/>
+          </a:effectRef>
+          <a:fontRef idx="minor">
+            <a:schemeClr val="lt1"/>
+          </a:fontRef>
+        </p:style>
+        <p:txBody>
+          <a:bodyPr rtlCol="0" anchor="ctr"/>
+          <a:lstStyle/>
+          <a:p>
+            <a:pPr algn="ctr"/>
+            <a:r>
+              <a:rPr lang="en-US" altLang="ko-KR">
+                <a:solidFill>
+                  <a:schemeClr val="tx1"/>
+                </a:solidFill>
+              </a:rPr>
+              <a:t>2</a:t>
+            </a:r>
+            <a:endParaRPr lang="ko-KR" altLang="en-US">
+              <a:solidFill>
+                <a:schemeClr val="tx1"/>
+              </a:solidFill>
+            </a:endParaRPr>
+          </a:p>
+        </p:txBody>
+      </p:sp>
+      <p:sp>
+        <p:nvSpPr>
+          <p:cNvPr id="7" name="직사각형 6">
+            <a:extLst>
+              <a:ext uri="{FF2B5EF4-FFF2-40B4-BE49-F238E27FC236}">
+                <a16:creationId xmlns:a16="http://schemas.microsoft.com/office/drawing/2014/main" id="{D77153D3-D170-4D0F-A6ED-590D0555248A}"/>
+              </a:ext>
+            </a:extLst>
+          </p:cNvPr>
+          <p:cNvSpPr/>
+          <p:nvPr/>
+        </p:nvSpPr>
+        <p:spPr>
+          <a:xfrm>
+            <a:off x="8067856" y="4110070"/>
+            <a:ext cx="713120" cy="657461"/>
+          </a:xfrm>
+          <a:prstGeom prst="rect">
+            <a:avLst/>
+          </a:prstGeom>
+          <a:noFill/>
+        </p:spPr>
+        <p:style>
+          <a:lnRef idx="2">
+            <a:schemeClr val="accent1">
+              <a:shade val="50000"/>
+            </a:schemeClr>
+          </a:lnRef>
+          <a:fillRef idx="1">
+            <a:schemeClr val="accent1"/>
+          </a:fillRef>
+          <a:effectRef idx="0">
+            <a:schemeClr val="accent1"/>
+          </a:effectRef>
+          <a:fontRef idx="minor">
+            <a:schemeClr val="lt1"/>
+          </a:fontRef>
+        </p:style>
+        <p:txBody>
+          <a:bodyPr rtlCol="0" anchor="ctr"/>
+          <a:lstStyle/>
+          <a:p>
+            <a:pPr algn="ctr"/>
+            <a:r>
+              <a:rPr lang="en-US" altLang="ko-KR">
+                <a:solidFill>
+                  <a:schemeClr val="tx1"/>
+                </a:solidFill>
+              </a:rPr>
+              <a:t>3</a:t>
+            </a:r>
+            <a:endParaRPr lang="ko-KR" altLang="en-US">
+              <a:solidFill>
+                <a:schemeClr val="tx1"/>
+              </a:solidFill>
+            </a:endParaRPr>
+          </a:p>
+        </p:txBody>
+      </p:sp>
+      <p:sp>
+        <p:nvSpPr>
+          <p:cNvPr id="8" name="직사각형 7">
+            <a:extLst>
+              <a:ext uri="{FF2B5EF4-FFF2-40B4-BE49-F238E27FC236}">
+                <a16:creationId xmlns:a16="http://schemas.microsoft.com/office/drawing/2014/main" id="{68B36B63-8A3D-4989-8258-BA9CD53058BD}"/>
+              </a:ext>
+            </a:extLst>
+          </p:cNvPr>
+          <p:cNvSpPr/>
+          <p:nvPr/>
+        </p:nvSpPr>
+        <p:spPr>
+          <a:xfrm>
+            <a:off x="8780976" y="4110070"/>
+            <a:ext cx="713120" cy="657461"/>
+          </a:xfrm>
+          <a:prstGeom prst="rect">
+            <a:avLst/>
+          </a:prstGeom>
+          <a:noFill/>
+        </p:spPr>
+        <p:style>
+          <a:lnRef idx="2">
+            <a:schemeClr val="accent1">
+              <a:shade val="50000"/>
+            </a:schemeClr>
+          </a:lnRef>
+          <a:fillRef idx="1">
+            <a:schemeClr val="accent1"/>
+          </a:fillRef>
+          <a:effectRef idx="0">
+            <a:schemeClr val="accent1"/>
+          </a:effectRef>
+          <a:fontRef idx="minor">
+            <a:schemeClr val="lt1"/>
+          </a:fontRef>
+        </p:style>
+        <p:txBody>
+          <a:bodyPr rtlCol="0" anchor="ctr"/>
+          <a:lstStyle/>
+          <a:p>
+            <a:pPr algn="ctr"/>
+            <a:r>
+              <a:rPr lang="en-US" altLang="ko-KR">
+                <a:solidFill>
+                  <a:schemeClr val="tx1"/>
+                </a:solidFill>
+              </a:rPr>
+              <a:t>4</a:t>
+            </a:r>
+            <a:endParaRPr lang="ko-KR" altLang="en-US">
+              <a:solidFill>
+                <a:schemeClr val="tx1"/>
+              </a:solidFill>
+            </a:endParaRPr>
+          </a:p>
+        </p:txBody>
+      </p:sp>
+      <p:sp>
+        <p:nvSpPr>
+          <p:cNvPr id="9" name="직사각형 8">
+            <a:extLst>
+              <a:ext uri="{FF2B5EF4-FFF2-40B4-BE49-F238E27FC236}">
+                <a16:creationId xmlns:a16="http://schemas.microsoft.com/office/drawing/2014/main" id="{4E729342-0C83-4E5F-91C8-6E9514919079}"/>
+              </a:ext>
+            </a:extLst>
+          </p:cNvPr>
+          <p:cNvSpPr/>
+          <p:nvPr/>
+        </p:nvSpPr>
+        <p:spPr>
+          <a:xfrm>
+            <a:off x="9503351" y="4110069"/>
+            <a:ext cx="713120" cy="657461"/>
+          </a:xfrm>
+          <a:prstGeom prst="rect">
+            <a:avLst/>
+          </a:prstGeom>
+          <a:noFill/>
+        </p:spPr>
+        <p:style>
+          <a:lnRef idx="2">
+            <a:schemeClr val="accent1">
+              <a:shade val="50000"/>
+            </a:schemeClr>
+          </a:lnRef>
+          <a:fillRef idx="1">
+            <a:schemeClr val="accent1"/>
+          </a:fillRef>
+          <a:effectRef idx="0">
+            <a:schemeClr val="accent1"/>
+          </a:effectRef>
+          <a:fontRef idx="minor">
+            <a:schemeClr val="lt1"/>
+          </a:fontRef>
+        </p:style>
+        <p:txBody>
+          <a:bodyPr rtlCol="0" anchor="ctr"/>
+          <a:lstStyle/>
+          <a:p>
+            <a:pPr algn="ctr"/>
+            <a:r>
+              <a:rPr lang="en-US" altLang="ko-KR">
+                <a:solidFill>
+                  <a:schemeClr val="tx1"/>
+                </a:solidFill>
+              </a:rPr>
+              <a:t>5</a:t>
+            </a:r>
+            <a:endParaRPr lang="ko-KR" altLang="en-US">
+              <a:solidFill>
+                <a:schemeClr val="tx1"/>
+              </a:solidFill>
+            </a:endParaRPr>
+          </a:p>
+        </p:txBody>
+      </p:sp>
+      <p:sp>
+        <p:nvSpPr>
+          <p:cNvPr id="10" name="직사각형 9">
+            <a:extLst>
+              <a:ext uri="{FF2B5EF4-FFF2-40B4-BE49-F238E27FC236}">
+                <a16:creationId xmlns:a16="http://schemas.microsoft.com/office/drawing/2014/main" id="{86A7EE87-1120-4C32-A261-46B324516A82}"/>
+              </a:ext>
+            </a:extLst>
+          </p:cNvPr>
+          <p:cNvSpPr/>
+          <p:nvPr/>
+        </p:nvSpPr>
+        <p:spPr>
+          <a:xfrm>
+            <a:off x="13060998" y="4109926"/>
+            <a:ext cx="713120" cy="657606"/>
+          </a:xfrm>
+          <a:prstGeom prst="rect">
+            <a:avLst/>
+          </a:prstGeom>
+          <a:noFill/>
+        </p:spPr>
+        <p:style>
+          <a:lnRef idx="2">
+            <a:schemeClr val="accent1">
+              <a:shade val="50000"/>
+            </a:schemeClr>
+          </a:lnRef>
+          <a:fillRef idx="1">
+            <a:schemeClr val="accent1"/>
+          </a:fillRef>
+          <a:effectRef idx="0">
+            <a:schemeClr val="accent1"/>
+          </a:effectRef>
+          <a:fontRef idx="minor">
+            <a:schemeClr val="lt1"/>
+          </a:fontRef>
+        </p:style>
+        <p:txBody>
+          <a:bodyPr rtlCol="0" anchor="ctr"/>
+          <a:lstStyle/>
+          <a:p>
+            <a:pPr algn="ctr"/>
+            <a:r>
+              <a:rPr lang="en-US" altLang="ko-KR">
+                <a:solidFill>
+                  <a:schemeClr val="tx1"/>
+                </a:solidFill>
+              </a:rPr>
+              <a:t>10</a:t>
+            </a:r>
+            <a:endParaRPr lang="ko-KR" altLang="en-US">
+              <a:solidFill>
+                <a:schemeClr val="tx1"/>
+              </a:solidFill>
+            </a:endParaRPr>
+          </a:p>
+        </p:txBody>
+      </p:sp>
+      <p:sp>
+        <p:nvSpPr>
+          <p:cNvPr id="11" name="직사각형 10">
+            <a:extLst>
+              <a:ext uri="{FF2B5EF4-FFF2-40B4-BE49-F238E27FC236}">
+                <a16:creationId xmlns:a16="http://schemas.microsoft.com/office/drawing/2014/main" id="{9D22A748-A743-4A06-8B22-F0FDBECB6D5E}"/>
+              </a:ext>
+            </a:extLst>
+          </p:cNvPr>
+          <p:cNvSpPr/>
+          <p:nvPr/>
+        </p:nvSpPr>
+        <p:spPr>
+          <a:xfrm>
+            <a:off x="13774118" y="4109926"/>
+            <a:ext cx="713120" cy="657606"/>
+          </a:xfrm>
+          <a:prstGeom prst="rect">
+            <a:avLst/>
+          </a:prstGeom>
+          <a:noFill/>
+        </p:spPr>
+        <p:style>
+          <a:lnRef idx="2">
+            <a:schemeClr val="accent1">
+              <a:shade val="50000"/>
+            </a:schemeClr>
+          </a:lnRef>
+          <a:fillRef idx="1">
+            <a:schemeClr val="accent1"/>
+          </a:fillRef>
+          <a:effectRef idx="0">
+            <a:schemeClr val="accent1"/>
+          </a:effectRef>
+          <a:fontRef idx="minor">
+            <a:schemeClr val="lt1"/>
+          </a:fontRef>
+        </p:style>
+        <p:txBody>
+          <a:bodyPr rtlCol="0" anchor="ctr"/>
+          <a:lstStyle/>
+          <a:p>
+            <a:pPr algn="ctr"/>
+            <a:r>
+              <a:rPr lang="en-US" altLang="ko-KR">
+                <a:solidFill>
+                  <a:schemeClr val="tx1"/>
+                </a:solidFill>
+              </a:rPr>
+              <a:t>11</a:t>
+            </a:r>
+            <a:endParaRPr lang="ko-KR" altLang="en-US">
+              <a:solidFill>
+                <a:schemeClr val="tx1"/>
+              </a:solidFill>
+            </a:endParaRPr>
+          </a:p>
+        </p:txBody>
+      </p:sp>
+      <p:sp>
+        <p:nvSpPr>
+          <p:cNvPr id="12" name="직사각형 11">
+            <a:extLst>
+              <a:ext uri="{FF2B5EF4-FFF2-40B4-BE49-F238E27FC236}">
+                <a16:creationId xmlns:a16="http://schemas.microsoft.com/office/drawing/2014/main" id="{6FFF057F-74B3-4809-85EC-F1D20C1B2529}"/>
+              </a:ext>
+            </a:extLst>
+          </p:cNvPr>
+          <p:cNvSpPr/>
+          <p:nvPr/>
+        </p:nvSpPr>
+        <p:spPr>
+          <a:xfrm>
+            <a:off x="14496493" y="4109925"/>
+            <a:ext cx="713120" cy="657606"/>
+          </a:xfrm>
+          <a:prstGeom prst="rect">
+            <a:avLst/>
+          </a:prstGeom>
+          <a:noFill/>
+        </p:spPr>
+        <p:style>
+          <a:lnRef idx="2">
+            <a:schemeClr val="accent1">
+              <a:shade val="50000"/>
+            </a:schemeClr>
+          </a:lnRef>
+          <a:fillRef idx="1">
+            <a:schemeClr val="accent1"/>
+          </a:fillRef>
+          <a:effectRef idx="0">
+            <a:schemeClr val="accent1"/>
+          </a:effectRef>
+          <a:fontRef idx="minor">
+            <a:schemeClr val="lt1"/>
+          </a:fontRef>
+        </p:style>
+        <p:txBody>
+          <a:bodyPr rtlCol="0" anchor="ctr"/>
+          <a:lstStyle/>
+          <a:p>
+            <a:pPr algn="ctr"/>
+            <a:r>
+              <a:rPr lang="en-US" altLang="ko-KR">
+                <a:solidFill>
+                  <a:schemeClr val="tx1"/>
+                </a:solidFill>
+              </a:rPr>
+              <a:t>12</a:t>
+            </a:r>
+            <a:endParaRPr lang="ko-KR" altLang="en-US">
+              <a:solidFill>
+                <a:schemeClr val="tx1"/>
+              </a:solidFill>
+            </a:endParaRPr>
+          </a:p>
+        </p:txBody>
+      </p:sp>
+      <p:sp>
+        <p:nvSpPr>
+          <p:cNvPr id="14" name="직사각형 13">
+            <a:extLst>
+              <a:ext uri="{FF2B5EF4-FFF2-40B4-BE49-F238E27FC236}">
+                <a16:creationId xmlns:a16="http://schemas.microsoft.com/office/drawing/2014/main" id="{0A89D5ED-88E2-44E8-9EA9-C2A694A57B41}"/>
+              </a:ext>
+            </a:extLst>
+          </p:cNvPr>
+          <p:cNvSpPr/>
+          <p:nvPr/>
+        </p:nvSpPr>
+        <p:spPr>
+          <a:xfrm>
+            <a:off x="10203828" y="4110069"/>
+            <a:ext cx="713120" cy="657461"/>
+          </a:xfrm>
+          <a:prstGeom prst="rect">
+            <a:avLst/>
+          </a:prstGeom>
+          <a:noFill/>
+        </p:spPr>
+        <p:style>
+          <a:lnRef idx="2">
+            <a:schemeClr val="accent1">
+              <a:shade val="50000"/>
+            </a:schemeClr>
+          </a:lnRef>
+          <a:fillRef idx="1">
+            <a:schemeClr val="accent1"/>
+          </a:fillRef>
+          <a:effectRef idx="0">
+            <a:schemeClr val="accent1"/>
+          </a:effectRef>
+          <a:fontRef idx="minor">
+            <a:schemeClr val="lt1"/>
+          </a:fontRef>
+        </p:style>
+        <p:txBody>
+          <a:bodyPr rtlCol="0" anchor="ctr"/>
+          <a:lstStyle/>
+          <a:p>
+            <a:pPr algn="ctr"/>
+            <a:r>
+              <a:rPr lang="en-US" altLang="ko-KR">
+                <a:solidFill>
+                  <a:schemeClr val="tx1"/>
+                </a:solidFill>
+              </a:rPr>
+              <a:t>6</a:t>
+            </a:r>
+            <a:endParaRPr lang="ko-KR" altLang="en-US">
+              <a:solidFill>
+                <a:schemeClr val="tx1"/>
+              </a:solidFill>
+            </a:endParaRPr>
+          </a:p>
+        </p:txBody>
+      </p:sp>
+      <p:sp>
+        <p:nvSpPr>
+          <p:cNvPr id="15" name="직사각형 14">
+            <a:extLst>
+              <a:ext uri="{FF2B5EF4-FFF2-40B4-BE49-F238E27FC236}">
+                <a16:creationId xmlns:a16="http://schemas.microsoft.com/office/drawing/2014/main" id="{BB0862BA-9593-4ABA-AA53-0241F33E572A}"/>
+              </a:ext>
+            </a:extLst>
+          </p:cNvPr>
+          <p:cNvSpPr/>
+          <p:nvPr/>
+        </p:nvSpPr>
+        <p:spPr>
+          <a:xfrm>
+            <a:off x="10926203" y="4110068"/>
+            <a:ext cx="713120" cy="657461"/>
+          </a:xfrm>
+          <a:prstGeom prst="rect">
+            <a:avLst/>
+          </a:prstGeom>
+          <a:noFill/>
+        </p:spPr>
+        <p:style>
+          <a:lnRef idx="2">
+            <a:schemeClr val="accent1">
+              <a:shade val="50000"/>
+            </a:schemeClr>
+          </a:lnRef>
+          <a:fillRef idx="1">
+            <a:schemeClr val="accent1"/>
+          </a:fillRef>
+          <a:effectRef idx="0">
+            <a:schemeClr val="accent1"/>
+          </a:effectRef>
+          <a:fontRef idx="minor">
+            <a:schemeClr val="lt1"/>
+          </a:fontRef>
+        </p:style>
+        <p:txBody>
+          <a:bodyPr rtlCol="0" anchor="ctr"/>
+          <a:lstStyle/>
+          <a:p>
+            <a:pPr algn="ctr"/>
+            <a:r>
+              <a:rPr lang="en-US" altLang="ko-KR">
+                <a:solidFill>
+                  <a:schemeClr val="tx1"/>
+                </a:solidFill>
+              </a:rPr>
+              <a:t>7</a:t>
+            </a:r>
+            <a:endParaRPr lang="ko-KR" altLang="en-US">
+              <a:solidFill>
+                <a:schemeClr val="tx1"/>
+              </a:solidFill>
+            </a:endParaRPr>
+          </a:p>
+        </p:txBody>
+      </p:sp>
+      <p:sp>
+        <p:nvSpPr>
+          <p:cNvPr id="16" name="직사각형 15">
+            <a:extLst>
+              <a:ext uri="{FF2B5EF4-FFF2-40B4-BE49-F238E27FC236}">
+                <a16:creationId xmlns:a16="http://schemas.microsoft.com/office/drawing/2014/main" id="{77B28BB5-C6F9-463B-B110-141A13AFCA04}"/>
+              </a:ext>
+            </a:extLst>
+          </p:cNvPr>
+          <p:cNvSpPr/>
+          <p:nvPr/>
+        </p:nvSpPr>
+        <p:spPr>
+          <a:xfrm>
+            <a:off x="11625503" y="4109925"/>
+            <a:ext cx="713120" cy="657461"/>
+          </a:xfrm>
+          <a:prstGeom prst="rect">
+            <a:avLst/>
+          </a:prstGeom>
+          <a:noFill/>
+        </p:spPr>
+        <p:style>
+          <a:lnRef idx="2">
+            <a:schemeClr val="accent1">
+              <a:shade val="50000"/>
+            </a:schemeClr>
+          </a:lnRef>
+          <a:fillRef idx="1">
+            <a:schemeClr val="accent1"/>
+          </a:fillRef>
+          <a:effectRef idx="0">
+            <a:schemeClr val="accent1"/>
+          </a:effectRef>
+          <a:fontRef idx="minor">
+            <a:schemeClr val="lt1"/>
+          </a:fontRef>
+        </p:style>
+        <p:txBody>
+          <a:bodyPr rtlCol="0" anchor="ctr"/>
+          <a:lstStyle/>
+          <a:p>
+            <a:pPr algn="ctr"/>
+            <a:r>
+              <a:rPr lang="en-US" altLang="ko-KR">
+                <a:solidFill>
+                  <a:schemeClr val="tx1"/>
+                </a:solidFill>
+              </a:rPr>
+              <a:t>8</a:t>
+            </a:r>
+            <a:endParaRPr lang="ko-KR" altLang="en-US">
+              <a:solidFill>
+                <a:schemeClr val="tx1"/>
+              </a:solidFill>
+            </a:endParaRPr>
+          </a:p>
+        </p:txBody>
+      </p:sp>
+      <p:sp>
+        <p:nvSpPr>
+          <p:cNvPr id="17" name="직사각형 16">
+            <a:extLst>
+              <a:ext uri="{FF2B5EF4-FFF2-40B4-BE49-F238E27FC236}">
+                <a16:creationId xmlns:a16="http://schemas.microsoft.com/office/drawing/2014/main" id="{9E25DF58-D2BC-43EA-8130-22370EB8636B}"/>
+              </a:ext>
+            </a:extLst>
+          </p:cNvPr>
+          <p:cNvSpPr/>
+          <p:nvPr/>
+        </p:nvSpPr>
+        <p:spPr>
+          <a:xfrm>
+            <a:off x="12338623" y="4109925"/>
+            <a:ext cx="713120" cy="657461"/>
+          </a:xfrm>
+          <a:prstGeom prst="rect">
+            <a:avLst/>
+          </a:prstGeom>
+          <a:noFill/>
+        </p:spPr>
+        <p:style>
+          <a:lnRef idx="2">
+            <a:schemeClr val="accent1">
+              <a:shade val="50000"/>
+            </a:schemeClr>
+          </a:lnRef>
+          <a:fillRef idx="1">
+            <a:schemeClr val="accent1"/>
+          </a:fillRef>
+          <a:effectRef idx="0">
+            <a:schemeClr val="accent1"/>
+          </a:effectRef>
+          <a:fontRef idx="minor">
+            <a:schemeClr val="lt1"/>
+          </a:fontRef>
+        </p:style>
+        <p:txBody>
+          <a:bodyPr rtlCol="0" anchor="ctr"/>
+          <a:lstStyle/>
+          <a:p>
+            <a:pPr algn="ctr"/>
+            <a:r>
+              <a:rPr lang="en-US" altLang="ko-KR">
+                <a:solidFill>
+                  <a:schemeClr val="tx1"/>
+                </a:solidFill>
+              </a:rPr>
+              <a:t>9</a:t>
+            </a:r>
+            <a:endParaRPr lang="ko-KR" altLang="en-US">
+              <a:solidFill>
+                <a:schemeClr val="tx1"/>
+              </a:solidFill>
+            </a:endParaRPr>
+          </a:p>
+        </p:txBody>
+      </p:sp>
+      <p:cxnSp>
+        <p:nvCxnSpPr>
+          <p:cNvPr id="19" name="직선 화살표 연결선 18">
+            <a:extLst>
+              <a:ext uri="{FF2B5EF4-FFF2-40B4-BE49-F238E27FC236}">
+                <a16:creationId xmlns:a16="http://schemas.microsoft.com/office/drawing/2014/main" id="{315A9879-1E27-477F-BD5B-E250CEA6AC67}"/>
+              </a:ext>
+            </a:extLst>
+          </p:cNvPr>
+          <p:cNvCxnSpPr>
+            <a:cxnSpLocks/>
+          </p:cNvCxnSpPr>
+          <p:nvPr/>
+        </p:nvCxnSpPr>
+        <p:spPr>
+          <a:xfrm flipH="1">
+            <a:off x="9813833" y="2747715"/>
+            <a:ext cx="13887" cy="1371581"/>
+          </a:xfrm>
+          <a:prstGeom prst="straightConnector1">
+            <a:avLst/>
+          </a:prstGeom>
+          <a:ln>
+            <a:tailEnd type="triangle"/>
+          </a:ln>
+        </p:spPr>
+        <p:style>
+          <a:lnRef idx="1">
+            <a:schemeClr val="accent1"/>
+          </a:lnRef>
+          <a:fillRef idx="0">
+            <a:schemeClr val="accent1"/>
+          </a:fillRef>
+          <a:effectRef idx="0">
+            <a:schemeClr val="accent1"/>
+          </a:effectRef>
+          <a:fontRef idx="minor">
+            <a:schemeClr val="tx1"/>
+          </a:fontRef>
+        </p:style>
+      </p:cxnSp>
+      <p:cxnSp>
+        <p:nvCxnSpPr>
+          <p:cNvPr id="22" name="직선 화살표 연결선 21">
+            <a:extLst>
+              <a:ext uri="{FF2B5EF4-FFF2-40B4-BE49-F238E27FC236}">
+                <a16:creationId xmlns:a16="http://schemas.microsoft.com/office/drawing/2014/main" id="{69B8BD45-F4CF-42EE-865C-8B19E45991DF}"/>
+              </a:ext>
+            </a:extLst>
+          </p:cNvPr>
+          <p:cNvCxnSpPr>
+            <a:cxnSpLocks/>
+          </p:cNvCxnSpPr>
+          <p:nvPr/>
+        </p:nvCxnSpPr>
+        <p:spPr>
+          <a:xfrm>
+            <a:off x="6281266" y="3433506"/>
+            <a:ext cx="0" cy="676421"/>
+          </a:xfrm>
+          <a:prstGeom prst="straightConnector1">
+            <a:avLst/>
+          </a:prstGeom>
+          <a:ln>
+            <a:tailEnd type="triangle"/>
+          </a:ln>
+        </p:spPr>
+        <p:style>
+          <a:lnRef idx="1">
+            <a:schemeClr val="dk1"/>
+          </a:lnRef>
+          <a:fillRef idx="0">
+            <a:schemeClr val="dk1"/>
+          </a:fillRef>
+          <a:effectRef idx="0">
+            <a:schemeClr val="dk1"/>
+          </a:effectRef>
+          <a:fontRef idx="minor">
+            <a:schemeClr val="tx1"/>
+          </a:fontRef>
+        </p:style>
+      </p:cxnSp>
+      <p:cxnSp>
+        <p:nvCxnSpPr>
+          <p:cNvPr id="24" name="직선 화살표 연결선 23">
+            <a:extLst>
+              <a:ext uri="{FF2B5EF4-FFF2-40B4-BE49-F238E27FC236}">
+                <a16:creationId xmlns:a16="http://schemas.microsoft.com/office/drawing/2014/main" id="{5D4FF802-9243-484F-B9DB-C99B35B026A6}"/>
+              </a:ext>
+            </a:extLst>
+          </p:cNvPr>
+          <p:cNvCxnSpPr>
+            <a:cxnSpLocks/>
+          </p:cNvCxnSpPr>
+          <p:nvPr/>
+        </p:nvCxnSpPr>
+        <p:spPr>
+          <a:xfrm>
+            <a:off x="14842071" y="3359848"/>
+            <a:ext cx="7341" cy="676420"/>
+          </a:xfrm>
+          <a:prstGeom prst="straightConnector1">
+            <a:avLst/>
+          </a:prstGeom>
+          <a:ln>
+            <a:tailEnd type="triangle"/>
+          </a:ln>
+        </p:spPr>
+        <p:style>
+          <a:lnRef idx="1">
+            <a:schemeClr val="accent2"/>
+          </a:lnRef>
+          <a:fillRef idx="0">
+            <a:schemeClr val="accent2"/>
+          </a:fillRef>
+          <a:effectRef idx="0">
+            <a:schemeClr val="accent2"/>
+          </a:effectRef>
+          <a:fontRef idx="minor">
+            <a:schemeClr val="tx1"/>
+          </a:fontRef>
+        </p:style>
+      </p:cxnSp>
+      <p:sp>
+        <p:nvSpPr>
+          <p:cNvPr id="44" name="직사각형 43">
+            <a:extLst>
+              <a:ext uri="{FF2B5EF4-FFF2-40B4-BE49-F238E27FC236}">
+                <a16:creationId xmlns:a16="http://schemas.microsoft.com/office/drawing/2014/main" id="{DC7A1E32-1507-4788-8881-13304A14E886}"/>
+              </a:ext>
+            </a:extLst>
+          </p:cNvPr>
+          <p:cNvSpPr/>
+          <p:nvPr/>
+        </p:nvSpPr>
+        <p:spPr>
+          <a:xfrm>
+            <a:off x="5916615" y="7208839"/>
+            <a:ext cx="713120" cy="657461"/>
+          </a:xfrm>
+          <a:prstGeom prst="rect">
+            <a:avLst/>
+          </a:prstGeom>
+          <a:noFill/>
+        </p:spPr>
+        <p:style>
+          <a:lnRef idx="2">
+            <a:schemeClr val="accent1">
+              <a:shade val="50000"/>
+            </a:schemeClr>
+          </a:lnRef>
+          <a:fillRef idx="1">
+            <a:schemeClr val="accent1"/>
+          </a:fillRef>
+          <a:effectRef idx="0">
+            <a:schemeClr val="accent1"/>
+          </a:effectRef>
+          <a:fontRef idx="minor">
+            <a:schemeClr val="lt1"/>
+          </a:fontRef>
+        </p:style>
+        <p:txBody>
+          <a:bodyPr rtlCol="0" anchor="ctr"/>
+          <a:lstStyle/>
+          <a:p>
+            <a:pPr algn="ctr"/>
+            <a:r>
+              <a:rPr lang="en-US" altLang="ko-KR">
+                <a:solidFill>
+                  <a:schemeClr val="tx1"/>
+                </a:solidFill>
+              </a:rPr>
+              <a:t>0</a:t>
+            </a:r>
+            <a:endParaRPr lang="ko-KR" altLang="en-US">
+              <a:solidFill>
+                <a:schemeClr val="tx1"/>
+              </a:solidFill>
+            </a:endParaRPr>
+          </a:p>
+        </p:txBody>
+      </p:sp>
+      <p:sp>
+        <p:nvSpPr>
+          <p:cNvPr id="45" name="직사각형 44">
+            <a:extLst>
+              <a:ext uri="{FF2B5EF4-FFF2-40B4-BE49-F238E27FC236}">
+                <a16:creationId xmlns:a16="http://schemas.microsoft.com/office/drawing/2014/main" id="{A71B8959-AC32-4FA9-B494-D6499B60B546}"/>
+              </a:ext>
+            </a:extLst>
+          </p:cNvPr>
+          <p:cNvSpPr/>
+          <p:nvPr/>
+        </p:nvSpPr>
+        <p:spPr>
+          <a:xfrm>
+            <a:off x="6629735" y="7208839"/>
+            <a:ext cx="713120" cy="657461"/>
+          </a:xfrm>
+          <a:prstGeom prst="rect">
+            <a:avLst/>
+          </a:prstGeom>
+          <a:noFill/>
+        </p:spPr>
+        <p:style>
+          <a:lnRef idx="2">
+            <a:schemeClr val="accent1">
+              <a:shade val="50000"/>
+            </a:schemeClr>
+          </a:lnRef>
+          <a:fillRef idx="1">
+            <a:schemeClr val="accent1"/>
+          </a:fillRef>
+          <a:effectRef idx="0">
+            <a:schemeClr val="accent1"/>
+          </a:effectRef>
+          <a:fontRef idx="minor">
+            <a:schemeClr val="lt1"/>
+          </a:fontRef>
+        </p:style>
+        <p:txBody>
+          <a:bodyPr rtlCol="0" anchor="ctr"/>
+          <a:lstStyle/>
+          <a:p>
+            <a:pPr algn="ctr"/>
+            <a:r>
+              <a:rPr lang="en-US" altLang="ko-KR">
+                <a:solidFill>
+                  <a:schemeClr val="tx1"/>
+                </a:solidFill>
+              </a:rPr>
+              <a:t>1</a:t>
+            </a:r>
+            <a:endParaRPr lang="ko-KR" altLang="en-US">
+              <a:solidFill>
+                <a:schemeClr val="tx1"/>
+              </a:solidFill>
+            </a:endParaRPr>
+          </a:p>
+        </p:txBody>
+      </p:sp>
+      <p:sp>
+        <p:nvSpPr>
+          <p:cNvPr id="46" name="직사각형 45">
+            <a:extLst>
+              <a:ext uri="{FF2B5EF4-FFF2-40B4-BE49-F238E27FC236}">
+                <a16:creationId xmlns:a16="http://schemas.microsoft.com/office/drawing/2014/main" id="{DCBA3E36-2D1D-4E3A-95E4-66D946E33953}"/>
+              </a:ext>
+            </a:extLst>
+          </p:cNvPr>
+          <p:cNvSpPr/>
+          <p:nvPr/>
+        </p:nvSpPr>
+        <p:spPr>
+          <a:xfrm>
+            <a:off x="7352110" y="7208838"/>
+            <a:ext cx="713120" cy="657461"/>
+          </a:xfrm>
+          <a:prstGeom prst="rect">
+            <a:avLst/>
+          </a:prstGeom>
+          <a:noFill/>
+        </p:spPr>
+        <p:style>
+          <a:lnRef idx="2">
+            <a:schemeClr val="accent1">
+              <a:shade val="50000"/>
+            </a:schemeClr>
+          </a:lnRef>
+          <a:fillRef idx="1">
+            <a:schemeClr val="accent1"/>
+          </a:fillRef>
+          <a:effectRef idx="0">
+            <a:schemeClr val="accent1"/>
+          </a:effectRef>
+          <a:fontRef idx="minor">
+            <a:schemeClr val="lt1"/>
+          </a:fontRef>
+        </p:style>
+        <p:txBody>
+          <a:bodyPr rtlCol="0" anchor="ctr"/>
+          <a:lstStyle/>
+          <a:p>
+            <a:pPr algn="ctr"/>
+            <a:r>
+              <a:rPr lang="en-US" altLang="ko-KR">
+                <a:solidFill>
+                  <a:schemeClr val="tx1"/>
+                </a:solidFill>
+              </a:rPr>
+              <a:t>2</a:t>
+            </a:r>
+            <a:endParaRPr lang="ko-KR" altLang="en-US">
+              <a:solidFill>
+                <a:schemeClr val="tx1"/>
+              </a:solidFill>
+            </a:endParaRPr>
+          </a:p>
+        </p:txBody>
+      </p:sp>
+      <p:sp>
+        <p:nvSpPr>
+          <p:cNvPr id="47" name="직사각형 46">
+            <a:extLst>
+              <a:ext uri="{FF2B5EF4-FFF2-40B4-BE49-F238E27FC236}">
+                <a16:creationId xmlns:a16="http://schemas.microsoft.com/office/drawing/2014/main" id="{51813A61-C3C8-4DA3-85EC-58B577B3F71F}"/>
+              </a:ext>
+            </a:extLst>
+          </p:cNvPr>
+          <p:cNvSpPr/>
+          <p:nvPr/>
+        </p:nvSpPr>
+        <p:spPr>
+          <a:xfrm>
+            <a:off x="8054036" y="7208839"/>
+            <a:ext cx="713120" cy="657461"/>
+          </a:xfrm>
+          <a:prstGeom prst="rect">
+            <a:avLst/>
+          </a:prstGeom>
+          <a:noFill/>
+        </p:spPr>
+        <p:style>
+          <a:lnRef idx="2">
+            <a:schemeClr val="accent1">
+              <a:shade val="50000"/>
+            </a:schemeClr>
+          </a:lnRef>
+          <a:fillRef idx="1">
+            <a:schemeClr val="accent1"/>
+          </a:fillRef>
+          <a:effectRef idx="0">
+            <a:schemeClr val="accent1"/>
+          </a:effectRef>
+          <a:fontRef idx="minor">
+            <a:schemeClr val="lt1"/>
+          </a:fontRef>
+        </p:style>
+        <p:txBody>
+          <a:bodyPr rtlCol="0" anchor="ctr"/>
+          <a:lstStyle/>
+          <a:p>
+            <a:pPr algn="ctr"/>
+            <a:r>
+              <a:rPr lang="en-US" altLang="ko-KR">
+                <a:solidFill>
+                  <a:schemeClr val="tx1"/>
+                </a:solidFill>
+              </a:rPr>
+              <a:t>3</a:t>
+            </a:r>
+            <a:endParaRPr lang="ko-KR" altLang="en-US">
+              <a:solidFill>
+                <a:schemeClr val="tx1"/>
+              </a:solidFill>
+            </a:endParaRPr>
+          </a:p>
+        </p:txBody>
+      </p:sp>
+      <p:sp>
+        <p:nvSpPr>
+          <p:cNvPr id="48" name="직사각형 47">
+            <a:extLst>
+              <a:ext uri="{FF2B5EF4-FFF2-40B4-BE49-F238E27FC236}">
+                <a16:creationId xmlns:a16="http://schemas.microsoft.com/office/drawing/2014/main" id="{D7DC90E5-7A0B-46C4-A745-79AADD4E156B}"/>
+              </a:ext>
+            </a:extLst>
+          </p:cNvPr>
+          <p:cNvSpPr/>
+          <p:nvPr/>
+        </p:nvSpPr>
+        <p:spPr>
+          <a:xfrm>
+            <a:off x="8767156" y="7208839"/>
+            <a:ext cx="713120" cy="657461"/>
+          </a:xfrm>
+          <a:prstGeom prst="rect">
+            <a:avLst/>
+          </a:prstGeom>
+          <a:noFill/>
+        </p:spPr>
+        <p:style>
+          <a:lnRef idx="2">
+            <a:schemeClr val="accent1">
+              <a:shade val="50000"/>
+            </a:schemeClr>
+          </a:lnRef>
+          <a:fillRef idx="1">
+            <a:schemeClr val="accent1"/>
+          </a:fillRef>
+          <a:effectRef idx="0">
+            <a:schemeClr val="accent1"/>
+          </a:effectRef>
+          <a:fontRef idx="minor">
+            <a:schemeClr val="lt1"/>
+          </a:fontRef>
+        </p:style>
+        <p:txBody>
+          <a:bodyPr rtlCol="0" anchor="ctr"/>
+          <a:lstStyle/>
+          <a:p>
+            <a:pPr algn="ctr"/>
+            <a:r>
+              <a:rPr lang="en-US" altLang="ko-KR">
+                <a:solidFill>
+                  <a:schemeClr val="tx1"/>
+                </a:solidFill>
+              </a:rPr>
+              <a:t>4</a:t>
+            </a:r>
+            <a:endParaRPr lang="ko-KR" altLang="en-US">
+              <a:solidFill>
+                <a:schemeClr val="tx1"/>
+              </a:solidFill>
+            </a:endParaRPr>
+          </a:p>
+        </p:txBody>
+      </p:sp>
+      <p:sp>
+        <p:nvSpPr>
+          <p:cNvPr id="49" name="직사각형 48">
+            <a:extLst>
+              <a:ext uri="{FF2B5EF4-FFF2-40B4-BE49-F238E27FC236}">
+                <a16:creationId xmlns:a16="http://schemas.microsoft.com/office/drawing/2014/main" id="{FD253CC5-9485-4650-8F34-C21C8159C8D8}"/>
+              </a:ext>
+            </a:extLst>
+          </p:cNvPr>
+          <p:cNvSpPr/>
+          <p:nvPr/>
+        </p:nvSpPr>
+        <p:spPr>
+          <a:xfrm>
+            <a:off x="9489531" y="7208838"/>
+            <a:ext cx="713120" cy="657461"/>
+          </a:xfrm>
+          <a:prstGeom prst="rect">
+            <a:avLst/>
+          </a:prstGeom>
+          <a:noFill/>
+        </p:spPr>
+        <p:style>
+          <a:lnRef idx="2">
+            <a:schemeClr val="accent1">
+              <a:shade val="50000"/>
+            </a:schemeClr>
+          </a:lnRef>
+          <a:fillRef idx="1">
+            <a:schemeClr val="accent1"/>
+          </a:fillRef>
+          <a:effectRef idx="0">
+            <a:schemeClr val="accent1"/>
+          </a:effectRef>
+          <a:fontRef idx="minor">
+            <a:schemeClr val="lt1"/>
+          </a:fontRef>
+        </p:style>
+        <p:txBody>
+          <a:bodyPr rtlCol="0" anchor="ctr"/>
+          <a:lstStyle/>
+          <a:p>
+            <a:pPr algn="ctr"/>
+            <a:r>
+              <a:rPr lang="en-US" altLang="ko-KR">
+                <a:solidFill>
+                  <a:schemeClr val="tx1"/>
+                </a:solidFill>
+              </a:rPr>
+              <a:t>5</a:t>
+            </a:r>
+            <a:endParaRPr lang="ko-KR" altLang="en-US">
+              <a:solidFill>
+                <a:schemeClr val="tx1"/>
+              </a:solidFill>
+            </a:endParaRPr>
+          </a:p>
+        </p:txBody>
+      </p:sp>
+      <p:sp>
+        <p:nvSpPr>
+          <p:cNvPr id="50" name="직사각형 49">
+            <a:extLst>
+              <a:ext uri="{FF2B5EF4-FFF2-40B4-BE49-F238E27FC236}">
+                <a16:creationId xmlns:a16="http://schemas.microsoft.com/office/drawing/2014/main" id="{809901E6-8B62-4761-9696-C724539BD27B}"/>
+              </a:ext>
+            </a:extLst>
+          </p:cNvPr>
+          <p:cNvSpPr/>
+          <p:nvPr/>
+        </p:nvSpPr>
+        <p:spPr>
+          <a:xfrm>
+            <a:off x="13047178" y="7208695"/>
+            <a:ext cx="713120" cy="657606"/>
+          </a:xfrm>
+          <a:prstGeom prst="rect">
+            <a:avLst/>
+          </a:prstGeom>
+          <a:noFill/>
+        </p:spPr>
+        <p:style>
+          <a:lnRef idx="2">
+            <a:schemeClr val="accent1">
+              <a:shade val="50000"/>
+            </a:schemeClr>
+          </a:lnRef>
+          <a:fillRef idx="1">
+            <a:schemeClr val="accent1"/>
+          </a:fillRef>
+          <a:effectRef idx="0">
+            <a:schemeClr val="accent1"/>
+          </a:effectRef>
+          <a:fontRef idx="minor">
+            <a:schemeClr val="lt1"/>
+          </a:fontRef>
+        </p:style>
+        <p:txBody>
+          <a:bodyPr rtlCol="0" anchor="ctr"/>
+          <a:lstStyle/>
+          <a:p>
+            <a:pPr algn="ctr"/>
+            <a:r>
+              <a:rPr lang="en-US" altLang="ko-KR">
+                <a:solidFill>
+                  <a:schemeClr val="tx1"/>
+                </a:solidFill>
+              </a:rPr>
+              <a:t>10</a:t>
+            </a:r>
+            <a:endParaRPr lang="ko-KR" altLang="en-US">
+              <a:solidFill>
+                <a:schemeClr val="tx1"/>
+              </a:solidFill>
+            </a:endParaRPr>
+          </a:p>
+        </p:txBody>
+      </p:sp>
+      <p:sp>
+        <p:nvSpPr>
+          <p:cNvPr id="51" name="직사각형 50">
+            <a:extLst>
+              <a:ext uri="{FF2B5EF4-FFF2-40B4-BE49-F238E27FC236}">
+                <a16:creationId xmlns:a16="http://schemas.microsoft.com/office/drawing/2014/main" id="{30EBDEB0-8C54-4088-9236-2C3CEF526355}"/>
+              </a:ext>
+            </a:extLst>
+          </p:cNvPr>
+          <p:cNvSpPr/>
+          <p:nvPr/>
+        </p:nvSpPr>
+        <p:spPr>
+          <a:xfrm>
+            <a:off x="13760298" y="7208695"/>
+            <a:ext cx="713120" cy="657606"/>
+          </a:xfrm>
+          <a:prstGeom prst="rect">
+            <a:avLst/>
+          </a:prstGeom>
+          <a:noFill/>
+        </p:spPr>
+        <p:style>
+          <a:lnRef idx="2">
+            <a:schemeClr val="accent1">
+              <a:shade val="50000"/>
+            </a:schemeClr>
+          </a:lnRef>
+          <a:fillRef idx="1">
+            <a:schemeClr val="accent1"/>
+          </a:fillRef>
+          <a:effectRef idx="0">
+            <a:schemeClr val="accent1"/>
+          </a:effectRef>
+          <a:fontRef idx="minor">
+            <a:schemeClr val="lt1"/>
+          </a:fontRef>
+        </p:style>
+        <p:txBody>
+          <a:bodyPr rtlCol="0" anchor="ctr"/>
+          <a:lstStyle/>
+          <a:p>
+            <a:pPr algn="ctr"/>
+            <a:r>
+              <a:rPr lang="en-US" altLang="ko-KR">
+                <a:solidFill>
+                  <a:schemeClr val="tx1"/>
+                </a:solidFill>
+              </a:rPr>
+              <a:t>11</a:t>
+            </a:r>
+            <a:endParaRPr lang="ko-KR" altLang="en-US">
+              <a:solidFill>
+                <a:schemeClr val="tx1"/>
+              </a:solidFill>
+            </a:endParaRPr>
+          </a:p>
+        </p:txBody>
+      </p:sp>
+      <p:sp>
+        <p:nvSpPr>
+          <p:cNvPr id="52" name="직사각형 51">
+            <a:extLst>
+              <a:ext uri="{FF2B5EF4-FFF2-40B4-BE49-F238E27FC236}">
+                <a16:creationId xmlns:a16="http://schemas.microsoft.com/office/drawing/2014/main" id="{07C29721-C548-4E46-ACAE-3FDA4CCC109F}"/>
+              </a:ext>
+            </a:extLst>
+          </p:cNvPr>
+          <p:cNvSpPr/>
+          <p:nvPr/>
+        </p:nvSpPr>
+        <p:spPr>
+          <a:xfrm>
+            <a:off x="14482673" y="7208694"/>
+            <a:ext cx="713120" cy="657606"/>
+          </a:xfrm>
+          <a:prstGeom prst="rect">
+            <a:avLst/>
+          </a:prstGeom>
+          <a:noFill/>
+        </p:spPr>
+        <p:style>
+          <a:lnRef idx="2">
+            <a:schemeClr val="accent1">
+              <a:shade val="50000"/>
+            </a:schemeClr>
+          </a:lnRef>
+          <a:fillRef idx="1">
+            <a:schemeClr val="accent1"/>
+          </a:fillRef>
+          <a:effectRef idx="0">
+            <a:schemeClr val="accent1"/>
+          </a:effectRef>
+          <a:fontRef idx="minor">
+            <a:schemeClr val="lt1"/>
+          </a:fontRef>
+        </p:style>
+        <p:txBody>
+          <a:bodyPr rtlCol="0" anchor="ctr"/>
+          <a:lstStyle/>
+          <a:p>
+            <a:pPr algn="ctr"/>
+            <a:r>
+              <a:rPr lang="en-US" altLang="ko-KR">
+                <a:solidFill>
+                  <a:schemeClr val="tx1"/>
+                </a:solidFill>
+              </a:rPr>
+              <a:t>12</a:t>
+            </a:r>
+            <a:endParaRPr lang="ko-KR" altLang="en-US">
+              <a:solidFill>
+                <a:schemeClr val="tx1"/>
+              </a:solidFill>
+            </a:endParaRPr>
+          </a:p>
+        </p:txBody>
+      </p:sp>
+      <p:sp>
+        <p:nvSpPr>
+          <p:cNvPr id="53" name="직사각형 52">
+            <a:extLst>
+              <a:ext uri="{FF2B5EF4-FFF2-40B4-BE49-F238E27FC236}">
+                <a16:creationId xmlns:a16="http://schemas.microsoft.com/office/drawing/2014/main" id="{79918822-AE3B-45E3-8654-7E4B0E96C37C}"/>
+              </a:ext>
+            </a:extLst>
+          </p:cNvPr>
+          <p:cNvSpPr/>
+          <p:nvPr/>
+        </p:nvSpPr>
+        <p:spPr>
+          <a:xfrm>
+            <a:off x="10190008" y="7208838"/>
+            <a:ext cx="713120" cy="657461"/>
+          </a:xfrm>
+          <a:prstGeom prst="rect">
+            <a:avLst/>
+          </a:prstGeom>
+          <a:noFill/>
+        </p:spPr>
+        <p:style>
+          <a:lnRef idx="2">
+            <a:schemeClr val="accent1">
+              <a:shade val="50000"/>
+            </a:schemeClr>
+          </a:lnRef>
+          <a:fillRef idx="1">
+            <a:schemeClr val="accent1"/>
+          </a:fillRef>
+          <a:effectRef idx="0">
+            <a:schemeClr val="accent1"/>
+          </a:effectRef>
+          <a:fontRef idx="minor">
+            <a:schemeClr val="lt1"/>
+          </a:fontRef>
+        </p:style>
+        <p:txBody>
+          <a:bodyPr rtlCol="0" anchor="ctr"/>
+          <a:lstStyle/>
+          <a:p>
+            <a:pPr algn="ctr"/>
+            <a:r>
+              <a:rPr lang="en-US" altLang="ko-KR">
+                <a:solidFill>
+                  <a:schemeClr val="tx1"/>
+                </a:solidFill>
+              </a:rPr>
+              <a:t>6</a:t>
+            </a:r>
+            <a:endParaRPr lang="ko-KR" altLang="en-US">
+              <a:solidFill>
+                <a:schemeClr val="tx1"/>
+              </a:solidFill>
+            </a:endParaRPr>
+          </a:p>
+        </p:txBody>
+      </p:sp>
+      <p:sp>
+        <p:nvSpPr>
+          <p:cNvPr id="54" name="직사각형 53">
+            <a:extLst>
+              <a:ext uri="{FF2B5EF4-FFF2-40B4-BE49-F238E27FC236}">
+                <a16:creationId xmlns:a16="http://schemas.microsoft.com/office/drawing/2014/main" id="{E92941DF-F4E7-48AD-9FE8-EDE1240A0642}"/>
+              </a:ext>
+            </a:extLst>
+          </p:cNvPr>
+          <p:cNvSpPr/>
+          <p:nvPr/>
+        </p:nvSpPr>
+        <p:spPr>
+          <a:xfrm>
+            <a:off x="10912383" y="7208837"/>
+            <a:ext cx="713120" cy="657461"/>
+          </a:xfrm>
+          <a:prstGeom prst="rect">
+            <a:avLst/>
+          </a:prstGeom>
+          <a:noFill/>
+        </p:spPr>
+        <p:style>
+          <a:lnRef idx="2">
+            <a:schemeClr val="accent1">
+              <a:shade val="50000"/>
+            </a:schemeClr>
+          </a:lnRef>
+          <a:fillRef idx="1">
+            <a:schemeClr val="accent1"/>
+          </a:fillRef>
+          <a:effectRef idx="0">
+            <a:schemeClr val="accent1"/>
+          </a:effectRef>
+          <a:fontRef idx="minor">
+            <a:schemeClr val="lt1"/>
+          </a:fontRef>
+        </p:style>
+        <p:txBody>
+          <a:bodyPr rtlCol="0" anchor="ctr"/>
+          <a:lstStyle/>
+          <a:p>
+            <a:pPr algn="ctr"/>
+            <a:r>
+              <a:rPr lang="en-US" altLang="ko-KR">
+                <a:solidFill>
+                  <a:schemeClr val="tx1"/>
+                </a:solidFill>
+              </a:rPr>
+              <a:t>7</a:t>
+            </a:r>
+            <a:endParaRPr lang="ko-KR" altLang="en-US">
+              <a:solidFill>
+                <a:schemeClr val="tx1"/>
+              </a:solidFill>
+            </a:endParaRPr>
+          </a:p>
+        </p:txBody>
+      </p:sp>
+      <p:sp>
+        <p:nvSpPr>
+          <p:cNvPr id="55" name="직사각형 54">
+            <a:extLst>
+              <a:ext uri="{FF2B5EF4-FFF2-40B4-BE49-F238E27FC236}">
+                <a16:creationId xmlns:a16="http://schemas.microsoft.com/office/drawing/2014/main" id="{8D57AB57-607B-44F3-831C-19E30232C85F}"/>
+              </a:ext>
+            </a:extLst>
+          </p:cNvPr>
+          <p:cNvSpPr/>
+          <p:nvPr/>
+        </p:nvSpPr>
+        <p:spPr>
+          <a:xfrm>
+            <a:off x="11611683" y="7208694"/>
+            <a:ext cx="713120" cy="657461"/>
+          </a:xfrm>
+          <a:prstGeom prst="rect">
+            <a:avLst/>
+          </a:prstGeom>
+          <a:noFill/>
+        </p:spPr>
+        <p:style>
+          <a:lnRef idx="2">
+            <a:schemeClr val="accent1">
+              <a:shade val="50000"/>
+            </a:schemeClr>
+          </a:lnRef>
+          <a:fillRef idx="1">
+            <a:schemeClr val="accent1"/>
+          </a:fillRef>
+          <a:effectRef idx="0">
+            <a:schemeClr val="accent1"/>
+          </a:effectRef>
+          <a:fontRef idx="minor">
+            <a:schemeClr val="lt1"/>
+          </a:fontRef>
+        </p:style>
+        <p:txBody>
+          <a:bodyPr rtlCol="0" anchor="ctr"/>
+          <a:lstStyle/>
+          <a:p>
+            <a:pPr algn="ctr"/>
+            <a:r>
+              <a:rPr lang="en-US" altLang="ko-KR">
+                <a:solidFill>
+                  <a:schemeClr val="tx1"/>
+                </a:solidFill>
+              </a:rPr>
+              <a:t>8</a:t>
+            </a:r>
+            <a:endParaRPr lang="ko-KR" altLang="en-US">
+              <a:solidFill>
+                <a:schemeClr val="tx1"/>
+              </a:solidFill>
+            </a:endParaRPr>
+          </a:p>
+        </p:txBody>
+      </p:sp>
+      <p:sp>
+        <p:nvSpPr>
+          <p:cNvPr id="56" name="직사각형 55">
+            <a:extLst>
+              <a:ext uri="{FF2B5EF4-FFF2-40B4-BE49-F238E27FC236}">
+                <a16:creationId xmlns:a16="http://schemas.microsoft.com/office/drawing/2014/main" id="{9875530F-0607-4F26-8F14-5ED60099140D}"/>
+              </a:ext>
+            </a:extLst>
+          </p:cNvPr>
+          <p:cNvSpPr/>
+          <p:nvPr/>
+        </p:nvSpPr>
+        <p:spPr>
+          <a:xfrm>
+            <a:off x="12324803" y="7208694"/>
+            <a:ext cx="713120" cy="657461"/>
+          </a:xfrm>
+          <a:prstGeom prst="rect">
+            <a:avLst/>
+          </a:prstGeom>
+          <a:noFill/>
+        </p:spPr>
+        <p:style>
+          <a:lnRef idx="2">
+            <a:schemeClr val="accent1">
+              <a:shade val="50000"/>
+            </a:schemeClr>
+          </a:lnRef>
+          <a:fillRef idx="1">
+            <a:schemeClr val="accent1"/>
+          </a:fillRef>
+          <a:effectRef idx="0">
+            <a:schemeClr val="accent1"/>
+          </a:effectRef>
+          <a:fontRef idx="minor">
+            <a:schemeClr val="lt1"/>
+          </a:fontRef>
+        </p:style>
+        <p:txBody>
+          <a:bodyPr rtlCol="0" anchor="ctr"/>
+          <a:lstStyle/>
+          <a:p>
+            <a:pPr algn="ctr"/>
+            <a:r>
+              <a:rPr lang="en-US" altLang="ko-KR">
+                <a:solidFill>
+                  <a:schemeClr val="tx1"/>
+                </a:solidFill>
+              </a:rPr>
+              <a:t>9</a:t>
+            </a:r>
+            <a:endParaRPr lang="ko-KR" altLang="en-US">
+              <a:solidFill>
+                <a:schemeClr val="tx1"/>
+              </a:solidFill>
+            </a:endParaRPr>
+          </a:p>
+        </p:txBody>
+      </p:sp>
+      <p:cxnSp>
+        <p:nvCxnSpPr>
+          <p:cNvPr id="57" name="직선 화살표 연결선 56">
+            <a:extLst>
+              <a:ext uri="{FF2B5EF4-FFF2-40B4-BE49-F238E27FC236}">
+                <a16:creationId xmlns:a16="http://schemas.microsoft.com/office/drawing/2014/main" id="{07066432-D214-4A54-B859-A813AB557F2F}"/>
+              </a:ext>
+            </a:extLst>
+          </p:cNvPr>
+          <p:cNvCxnSpPr>
+            <a:cxnSpLocks/>
+          </p:cNvCxnSpPr>
+          <p:nvPr/>
+        </p:nvCxnSpPr>
+        <p:spPr>
+          <a:xfrm flipH="1">
+            <a:off x="7694783" y="5763456"/>
+            <a:ext cx="13887" cy="1371581"/>
+          </a:xfrm>
+          <a:prstGeom prst="straightConnector1">
+            <a:avLst/>
+          </a:prstGeom>
+          <a:ln>
+            <a:tailEnd type="triangle"/>
+          </a:ln>
+        </p:spPr>
+        <p:style>
+          <a:lnRef idx="1">
+            <a:schemeClr val="accent1"/>
+          </a:lnRef>
+          <a:fillRef idx="0">
+            <a:schemeClr val="accent1"/>
+          </a:fillRef>
+          <a:effectRef idx="0">
+            <a:schemeClr val="accent1"/>
+          </a:effectRef>
+          <a:fontRef idx="minor">
+            <a:schemeClr val="tx1"/>
+          </a:fontRef>
+        </p:style>
+      </p:cxnSp>
+      <p:cxnSp>
+        <p:nvCxnSpPr>
+          <p:cNvPr id="58" name="직선 화살표 연결선 57">
+            <a:extLst>
+              <a:ext uri="{FF2B5EF4-FFF2-40B4-BE49-F238E27FC236}">
+                <a16:creationId xmlns:a16="http://schemas.microsoft.com/office/drawing/2014/main" id="{75E9321B-5A94-4221-941F-E90BE97A80B4}"/>
+              </a:ext>
+            </a:extLst>
+          </p:cNvPr>
+          <p:cNvCxnSpPr>
+            <a:cxnSpLocks/>
+          </p:cNvCxnSpPr>
+          <p:nvPr/>
+        </p:nvCxnSpPr>
+        <p:spPr>
+          <a:xfrm>
+            <a:off x="6267446" y="6532275"/>
+            <a:ext cx="0" cy="676421"/>
+          </a:xfrm>
+          <a:prstGeom prst="straightConnector1">
+            <a:avLst/>
+          </a:prstGeom>
+          <a:ln>
+            <a:tailEnd type="triangle"/>
+          </a:ln>
+        </p:spPr>
+        <p:style>
+          <a:lnRef idx="1">
+            <a:schemeClr val="dk1"/>
+          </a:lnRef>
+          <a:fillRef idx="0">
+            <a:schemeClr val="dk1"/>
+          </a:fillRef>
+          <a:effectRef idx="0">
+            <a:schemeClr val="dk1"/>
+          </a:effectRef>
+          <a:fontRef idx="minor">
+            <a:schemeClr val="tx1"/>
+          </a:fontRef>
+        </p:style>
+      </p:cxnSp>
+      <p:cxnSp>
+        <p:nvCxnSpPr>
+          <p:cNvPr id="59" name="직선 화살표 연결선 58">
+            <a:extLst>
+              <a:ext uri="{FF2B5EF4-FFF2-40B4-BE49-F238E27FC236}">
+                <a16:creationId xmlns:a16="http://schemas.microsoft.com/office/drawing/2014/main" id="{F54D5091-1559-4949-A4FB-1E6ED48BBE67}"/>
+              </a:ext>
+            </a:extLst>
+          </p:cNvPr>
+          <p:cNvCxnSpPr>
+            <a:cxnSpLocks/>
+          </p:cNvCxnSpPr>
+          <p:nvPr/>
+        </p:nvCxnSpPr>
+        <p:spPr>
+          <a:xfrm>
+            <a:off x="9865830" y="6532274"/>
+            <a:ext cx="7341" cy="676420"/>
+          </a:xfrm>
+          <a:prstGeom prst="straightConnector1">
+            <a:avLst/>
+          </a:prstGeom>
+          <a:ln>
+            <a:tailEnd type="triangle"/>
+          </a:ln>
+        </p:spPr>
+        <p:style>
+          <a:lnRef idx="1">
+            <a:schemeClr val="accent2"/>
+          </a:lnRef>
+          <a:fillRef idx="0">
+            <a:schemeClr val="accent2"/>
+          </a:fillRef>
+          <a:effectRef idx="0">
+            <a:schemeClr val="accent2"/>
+          </a:effectRef>
+          <a:fontRef idx="minor">
+            <a:schemeClr val="tx1"/>
+          </a:fontRef>
+        </p:style>
+      </p:cxnSp>
+      <p:sp>
+        <p:nvSpPr>
+          <p:cNvPr id="60" name="TextBox 59">
+            <a:extLst>
+              <a:ext uri="{FF2B5EF4-FFF2-40B4-BE49-F238E27FC236}">
+                <a16:creationId xmlns:a16="http://schemas.microsoft.com/office/drawing/2014/main" id="{1B34A7EC-C746-4BCA-BA86-B544D09154A6}"/>
+              </a:ext>
+            </a:extLst>
+          </p:cNvPr>
+          <p:cNvSpPr txBox="1"/>
+          <p:nvPr/>
+        </p:nvSpPr>
+        <p:spPr>
+          <a:xfrm>
+            <a:off x="6144501" y="1546009"/>
+            <a:ext cx="2803556" cy="707886"/>
+          </a:xfrm>
+          <a:prstGeom prst="rect">
+            <a:avLst/>
+          </a:prstGeom>
+          <a:noFill/>
+        </p:spPr>
+        <p:txBody>
+          <a:bodyPr wrap="square" rtlCol="0">
+            <a:spAutoFit/>
+          </a:bodyPr>
+          <a:lstStyle/>
+          <a:p>
+            <a:r>
+              <a:rPr lang="en-US" altLang="ko-KR" sz="4000" b="1"/>
+              <a:t>target: 3</a:t>
+            </a:r>
+            <a:endParaRPr lang="ko-KR" altLang="en-US" sz="4000" b="1"/>
+          </a:p>
+        </p:txBody>
+      </p:sp>
+      <p:sp>
+        <p:nvSpPr>
+          <p:cNvPr id="61" name="직사각형 60">
+            <a:extLst>
+              <a:ext uri="{FF2B5EF4-FFF2-40B4-BE49-F238E27FC236}">
+                <a16:creationId xmlns:a16="http://schemas.microsoft.com/office/drawing/2014/main" id="{8F33715D-0C48-4F28-AD3B-D744E0345658}"/>
+              </a:ext>
+            </a:extLst>
+          </p:cNvPr>
+          <p:cNvSpPr/>
+          <p:nvPr/>
+        </p:nvSpPr>
+        <p:spPr>
+          <a:xfrm>
+            <a:off x="5909274" y="9914554"/>
+            <a:ext cx="713120" cy="657461"/>
+          </a:xfrm>
+          <a:prstGeom prst="rect">
+            <a:avLst/>
+          </a:prstGeom>
+          <a:noFill/>
+        </p:spPr>
+        <p:style>
+          <a:lnRef idx="2">
+            <a:schemeClr val="accent1">
+              <a:shade val="50000"/>
+            </a:schemeClr>
+          </a:lnRef>
+          <a:fillRef idx="1">
+            <a:schemeClr val="accent1"/>
+          </a:fillRef>
+          <a:effectRef idx="0">
+            <a:schemeClr val="accent1"/>
+          </a:effectRef>
+          <a:fontRef idx="minor">
+            <a:schemeClr val="lt1"/>
+          </a:fontRef>
+        </p:style>
+        <p:txBody>
+          <a:bodyPr rtlCol="0" anchor="ctr"/>
+          <a:lstStyle/>
+          <a:p>
+            <a:pPr algn="ctr"/>
+            <a:r>
+              <a:rPr lang="en-US" altLang="ko-KR">
+                <a:solidFill>
+                  <a:schemeClr val="tx1"/>
+                </a:solidFill>
+              </a:rPr>
+              <a:t>0</a:t>
+            </a:r>
+            <a:endParaRPr lang="ko-KR" altLang="en-US">
+              <a:solidFill>
+                <a:schemeClr val="tx1"/>
+              </a:solidFill>
+            </a:endParaRPr>
+          </a:p>
+        </p:txBody>
+      </p:sp>
+      <p:sp>
+        <p:nvSpPr>
+          <p:cNvPr id="62" name="직사각형 61">
+            <a:extLst>
+              <a:ext uri="{FF2B5EF4-FFF2-40B4-BE49-F238E27FC236}">
+                <a16:creationId xmlns:a16="http://schemas.microsoft.com/office/drawing/2014/main" id="{C88158AC-2507-45A5-9FFA-BDA8B6CA49F9}"/>
+              </a:ext>
+            </a:extLst>
+          </p:cNvPr>
+          <p:cNvSpPr/>
+          <p:nvPr/>
+        </p:nvSpPr>
+        <p:spPr>
+          <a:xfrm>
+            <a:off x="6622394" y="9914554"/>
+            <a:ext cx="713120" cy="657461"/>
+          </a:xfrm>
+          <a:prstGeom prst="rect">
+            <a:avLst/>
+          </a:prstGeom>
+          <a:noFill/>
+        </p:spPr>
+        <p:style>
+          <a:lnRef idx="2">
+            <a:schemeClr val="accent1">
+              <a:shade val="50000"/>
+            </a:schemeClr>
+          </a:lnRef>
+          <a:fillRef idx="1">
+            <a:schemeClr val="accent1"/>
+          </a:fillRef>
+          <a:effectRef idx="0">
+            <a:schemeClr val="accent1"/>
+          </a:effectRef>
+          <a:fontRef idx="minor">
+            <a:schemeClr val="lt1"/>
+          </a:fontRef>
+        </p:style>
+        <p:txBody>
+          <a:bodyPr rtlCol="0" anchor="ctr"/>
+          <a:lstStyle/>
+          <a:p>
+            <a:pPr algn="ctr"/>
+            <a:r>
+              <a:rPr lang="en-US" altLang="ko-KR">
+                <a:solidFill>
+                  <a:schemeClr val="tx1"/>
+                </a:solidFill>
+              </a:rPr>
+              <a:t>1</a:t>
+            </a:r>
+            <a:endParaRPr lang="ko-KR" altLang="en-US">
+              <a:solidFill>
+                <a:schemeClr val="tx1"/>
+              </a:solidFill>
+            </a:endParaRPr>
+          </a:p>
+        </p:txBody>
+      </p:sp>
+      <p:sp>
+        <p:nvSpPr>
+          <p:cNvPr id="63" name="직사각형 62">
+            <a:extLst>
+              <a:ext uri="{FF2B5EF4-FFF2-40B4-BE49-F238E27FC236}">
+                <a16:creationId xmlns:a16="http://schemas.microsoft.com/office/drawing/2014/main" id="{4159AEEB-BA6B-420D-8652-6EECE62A16FE}"/>
+              </a:ext>
+            </a:extLst>
+          </p:cNvPr>
+          <p:cNvSpPr/>
+          <p:nvPr/>
+        </p:nvSpPr>
+        <p:spPr>
+          <a:xfrm>
+            <a:off x="7344769" y="9914553"/>
+            <a:ext cx="713120" cy="657461"/>
+          </a:xfrm>
+          <a:prstGeom prst="rect">
+            <a:avLst/>
+          </a:prstGeom>
+          <a:noFill/>
+        </p:spPr>
+        <p:style>
+          <a:lnRef idx="2">
+            <a:schemeClr val="accent1">
+              <a:shade val="50000"/>
+            </a:schemeClr>
+          </a:lnRef>
+          <a:fillRef idx="1">
+            <a:schemeClr val="accent1"/>
+          </a:fillRef>
+          <a:effectRef idx="0">
+            <a:schemeClr val="accent1"/>
+          </a:effectRef>
+          <a:fontRef idx="minor">
+            <a:schemeClr val="lt1"/>
+          </a:fontRef>
+        </p:style>
+        <p:txBody>
+          <a:bodyPr rtlCol="0" anchor="ctr"/>
+          <a:lstStyle/>
+          <a:p>
+            <a:pPr algn="ctr"/>
+            <a:r>
+              <a:rPr lang="en-US" altLang="ko-KR">
+                <a:solidFill>
+                  <a:schemeClr val="tx1"/>
+                </a:solidFill>
+              </a:rPr>
+              <a:t>2</a:t>
+            </a:r>
+            <a:endParaRPr lang="ko-KR" altLang="en-US">
+              <a:solidFill>
+                <a:schemeClr val="tx1"/>
+              </a:solidFill>
+            </a:endParaRPr>
+          </a:p>
+        </p:txBody>
+      </p:sp>
+      <p:sp>
+        <p:nvSpPr>
+          <p:cNvPr id="64" name="직사각형 63">
+            <a:extLst>
+              <a:ext uri="{FF2B5EF4-FFF2-40B4-BE49-F238E27FC236}">
+                <a16:creationId xmlns:a16="http://schemas.microsoft.com/office/drawing/2014/main" id="{27CA0C3F-2168-4EA6-B63C-6A931D55F20E}"/>
+              </a:ext>
+            </a:extLst>
+          </p:cNvPr>
+          <p:cNvSpPr/>
+          <p:nvPr/>
+        </p:nvSpPr>
+        <p:spPr>
+          <a:xfrm>
+            <a:off x="8046695" y="9914554"/>
+            <a:ext cx="713120" cy="657461"/>
+          </a:xfrm>
+          <a:prstGeom prst="rect">
+            <a:avLst/>
+          </a:prstGeom>
+          <a:noFill/>
+        </p:spPr>
+        <p:style>
+          <a:lnRef idx="2">
+            <a:schemeClr val="accent1">
+              <a:shade val="50000"/>
+            </a:schemeClr>
+          </a:lnRef>
+          <a:fillRef idx="1">
+            <a:schemeClr val="accent1"/>
+          </a:fillRef>
+          <a:effectRef idx="0">
+            <a:schemeClr val="accent1"/>
+          </a:effectRef>
+          <a:fontRef idx="minor">
+            <a:schemeClr val="lt1"/>
+          </a:fontRef>
+        </p:style>
+        <p:txBody>
+          <a:bodyPr rtlCol="0" anchor="ctr"/>
+          <a:lstStyle/>
+          <a:p>
+            <a:pPr algn="ctr"/>
+            <a:r>
+              <a:rPr lang="en-US" altLang="ko-KR">
+                <a:solidFill>
+                  <a:schemeClr val="tx1"/>
+                </a:solidFill>
+              </a:rPr>
+              <a:t>3</a:t>
+            </a:r>
+            <a:endParaRPr lang="ko-KR" altLang="en-US">
+              <a:solidFill>
+                <a:schemeClr val="tx1"/>
+              </a:solidFill>
+            </a:endParaRPr>
+          </a:p>
+        </p:txBody>
+      </p:sp>
+      <p:sp>
+        <p:nvSpPr>
+          <p:cNvPr id="65" name="직사각형 64">
+            <a:extLst>
+              <a:ext uri="{FF2B5EF4-FFF2-40B4-BE49-F238E27FC236}">
+                <a16:creationId xmlns:a16="http://schemas.microsoft.com/office/drawing/2014/main" id="{5CE3FDFC-B999-4A5F-9DF7-2E456E78B0C4}"/>
+              </a:ext>
+            </a:extLst>
+          </p:cNvPr>
+          <p:cNvSpPr/>
+          <p:nvPr/>
+        </p:nvSpPr>
+        <p:spPr>
+          <a:xfrm>
+            <a:off x="8759815" y="9914554"/>
+            <a:ext cx="713120" cy="657461"/>
+          </a:xfrm>
+          <a:prstGeom prst="rect">
+            <a:avLst/>
+          </a:prstGeom>
+          <a:noFill/>
+        </p:spPr>
+        <p:style>
+          <a:lnRef idx="2">
+            <a:schemeClr val="accent1">
+              <a:shade val="50000"/>
+            </a:schemeClr>
+          </a:lnRef>
+          <a:fillRef idx="1">
+            <a:schemeClr val="accent1"/>
+          </a:fillRef>
+          <a:effectRef idx="0">
+            <a:schemeClr val="accent1"/>
+          </a:effectRef>
+          <a:fontRef idx="minor">
+            <a:schemeClr val="lt1"/>
+          </a:fontRef>
+        </p:style>
+        <p:txBody>
+          <a:bodyPr rtlCol="0" anchor="ctr"/>
+          <a:lstStyle/>
+          <a:p>
+            <a:pPr algn="ctr"/>
+            <a:r>
+              <a:rPr lang="en-US" altLang="ko-KR">
+                <a:solidFill>
+                  <a:schemeClr val="tx1"/>
+                </a:solidFill>
+              </a:rPr>
+              <a:t>4</a:t>
+            </a:r>
+            <a:endParaRPr lang="ko-KR" altLang="en-US">
+              <a:solidFill>
+                <a:schemeClr val="tx1"/>
+              </a:solidFill>
+            </a:endParaRPr>
+          </a:p>
+        </p:txBody>
+      </p:sp>
+      <p:sp>
+        <p:nvSpPr>
+          <p:cNvPr id="66" name="직사각형 65">
+            <a:extLst>
+              <a:ext uri="{FF2B5EF4-FFF2-40B4-BE49-F238E27FC236}">
+                <a16:creationId xmlns:a16="http://schemas.microsoft.com/office/drawing/2014/main" id="{C75C6B6C-F202-4137-AE92-315CAFC6BF93}"/>
+              </a:ext>
+            </a:extLst>
+          </p:cNvPr>
+          <p:cNvSpPr/>
+          <p:nvPr/>
+        </p:nvSpPr>
+        <p:spPr>
+          <a:xfrm>
+            <a:off x="9482190" y="9914553"/>
+            <a:ext cx="713120" cy="657461"/>
+          </a:xfrm>
+          <a:prstGeom prst="rect">
+            <a:avLst/>
+          </a:prstGeom>
+          <a:noFill/>
+        </p:spPr>
+        <p:style>
+          <a:lnRef idx="2">
+            <a:schemeClr val="accent1">
+              <a:shade val="50000"/>
+            </a:schemeClr>
+          </a:lnRef>
+          <a:fillRef idx="1">
+            <a:schemeClr val="accent1"/>
+          </a:fillRef>
+          <a:effectRef idx="0">
+            <a:schemeClr val="accent1"/>
+          </a:effectRef>
+          <a:fontRef idx="minor">
+            <a:schemeClr val="lt1"/>
+          </a:fontRef>
+        </p:style>
+        <p:txBody>
+          <a:bodyPr rtlCol="0" anchor="ctr"/>
+          <a:lstStyle/>
+          <a:p>
+            <a:pPr algn="ctr"/>
+            <a:r>
+              <a:rPr lang="en-US" altLang="ko-KR">
+                <a:solidFill>
+                  <a:schemeClr val="tx1"/>
+                </a:solidFill>
+              </a:rPr>
+              <a:t>5</a:t>
+            </a:r>
+            <a:endParaRPr lang="ko-KR" altLang="en-US">
+              <a:solidFill>
+                <a:schemeClr val="tx1"/>
+              </a:solidFill>
+            </a:endParaRPr>
+          </a:p>
+        </p:txBody>
+      </p:sp>
+      <p:sp>
+        <p:nvSpPr>
+          <p:cNvPr id="67" name="직사각형 66">
+            <a:extLst>
+              <a:ext uri="{FF2B5EF4-FFF2-40B4-BE49-F238E27FC236}">
+                <a16:creationId xmlns:a16="http://schemas.microsoft.com/office/drawing/2014/main" id="{3EB9AD24-BA5F-45F0-BAA3-93DBC2D43961}"/>
+              </a:ext>
+            </a:extLst>
+          </p:cNvPr>
+          <p:cNvSpPr/>
+          <p:nvPr/>
+        </p:nvSpPr>
+        <p:spPr>
+          <a:xfrm>
+            <a:off x="13039837" y="9914410"/>
+            <a:ext cx="713120" cy="657606"/>
+          </a:xfrm>
+          <a:prstGeom prst="rect">
+            <a:avLst/>
+          </a:prstGeom>
+          <a:noFill/>
+        </p:spPr>
+        <p:style>
+          <a:lnRef idx="2">
+            <a:schemeClr val="accent1">
+              <a:shade val="50000"/>
+            </a:schemeClr>
+          </a:lnRef>
+          <a:fillRef idx="1">
+            <a:schemeClr val="accent1"/>
+          </a:fillRef>
+          <a:effectRef idx="0">
+            <a:schemeClr val="accent1"/>
+          </a:effectRef>
+          <a:fontRef idx="minor">
+            <a:schemeClr val="lt1"/>
+          </a:fontRef>
+        </p:style>
+        <p:txBody>
+          <a:bodyPr rtlCol="0" anchor="ctr"/>
+          <a:lstStyle/>
+          <a:p>
+            <a:pPr algn="ctr"/>
+            <a:r>
+              <a:rPr lang="en-US" altLang="ko-KR">
+                <a:solidFill>
+                  <a:schemeClr val="tx1"/>
+                </a:solidFill>
+              </a:rPr>
+              <a:t>10</a:t>
+            </a:r>
+            <a:endParaRPr lang="ko-KR" altLang="en-US">
+              <a:solidFill>
+                <a:schemeClr val="tx1"/>
+              </a:solidFill>
+            </a:endParaRPr>
+          </a:p>
+        </p:txBody>
+      </p:sp>
+      <p:sp>
+        <p:nvSpPr>
+          <p:cNvPr id="68" name="직사각형 67">
+            <a:extLst>
+              <a:ext uri="{FF2B5EF4-FFF2-40B4-BE49-F238E27FC236}">
+                <a16:creationId xmlns:a16="http://schemas.microsoft.com/office/drawing/2014/main" id="{071568CA-BCC7-4513-9005-16B7E9F57205}"/>
+              </a:ext>
+            </a:extLst>
+          </p:cNvPr>
+          <p:cNvSpPr/>
+          <p:nvPr/>
+        </p:nvSpPr>
+        <p:spPr>
+          <a:xfrm>
+            <a:off x="13752957" y="9914410"/>
+            <a:ext cx="713120" cy="657606"/>
+          </a:xfrm>
+          <a:prstGeom prst="rect">
+            <a:avLst/>
+          </a:prstGeom>
+          <a:noFill/>
+        </p:spPr>
+        <p:style>
+          <a:lnRef idx="2">
+            <a:schemeClr val="accent1">
+              <a:shade val="50000"/>
+            </a:schemeClr>
+          </a:lnRef>
+          <a:fillRef idx="1">
+            <a:schemeClr val="accent1"/>
+          </a:fillRef>
+          <a:effectRef idx="0">
+            <a:schemeClr val="accent1"/>
+          </a:effectRef>
+          <a:fontRef idx="minor">
+            <a:schemeClr val="lt1"/>
+          </a:fontRef>
+        </p:style>
+        <p:txBody>
+          <a:bodyPr rtlCol="0" anchor="ctr"/>
+          <a:lstStyle/>
+          <a:p>
+            <a:pPr algn="ctr"/>
+            <a:r>
+              <a:rPr lang="en-US" altLang="ko-KR">
+                <a:solidFill>
+                  <a:schemeClr val="tx1"/>
+                </a:solidFill>
+              </a:rPr>
+              <a:t>11</a:t>
+            </a:r>
+            <a:endParaRPr lang="ko-KR" altLang="en-US">
+              <a:solidFill>
+                <a:schemeClr val="tx1"/>
+              </a:solidFill>
+            </a:endParaRPr>
+          </a:p>
+        </p:txBody>
+      </p:sp>
+      <p:sp>
+        <p:nvSpPr>
+          <p:cNvPr id="69" name="직사각형 68">
+            <a:extLst>
+              <a:ext uri="{FF2B5EF4-FFF2-40B4-BE49-F238E27FC236}">
+                <a16:creationId xmlns:a16="http://schemas.microsoft.com/office/drawing/2014/main" id="{487EE6D3-0DC3-48E0-8C2D-C58C62F4E42D}"/>
+              </a:ext>
+            </a:extLst>
+          </p:cNvPr>
+          <p:cNvSpPr/>
+          <p:nvPr/>
+        </p:nvSpPr>
+        <p:spPr>
+          <a:xfrm>
+            <a:off x="14475332" y="9914409"/>
+            <a:ext cx="713120" cy="657606"/>
+          </a:xfrm>
+          <a:prstGeom prst="rect">
+            <a:avLst/>
+          </a:prstGeom>
+          <a:noFill/>
+        </p:spPr>
+        <p:style>
+          <a:lnRef idx="2">
+            <a:schemeClr val="accent1">
+              <a:shade val="50000"/>
+            </a:schemeClr>
+          </a:lnRef>
+          <a:fillRef idx="1">
+            <a:schemeClr val="accent1"/>
+          </a:fillRef>
+          <a:effectRef idx="0">
+            <a:schemeClr val="accent1"/>
+          </a:effectRef>
+          <a:fontRef idx="minor">
+            <a:schemeClr val="lt1"/>
+          </a:fontRef>
+        </p:style>
+        <p:txBody>
+          <a:bodyPr rtlCol="0" anchor="ctr"/>
+          <a:lstStyle/>
+          <a:p>
+            <a:pPr algn="ctr"/>
+            <a:r>
+              <a:rPr lang="en-US" altLang="ko-KR">
+                <a:solidFill>
+                  <a:schemeClr val="tx1"/>
+                </a:solidFill>
+              </a:rPr>
+              <a:t>12</a:t>
+            </a:r>
+            <a:endParaRPr lang="ko-KR" altLang="en-US">
+              <a:solidFill>
+                <a:schemeClr val="tx1"/>
+              </a:solidFill>
+            </a:endParaRPr>
+          </a:p>
+        </p:txBody>
+      </p:sp>
+      <p:sp>
+        <p:nvSpPr>
+          <p:cNvPr id="70" name="직사각형 69">
+            <a:extLst>
+              <a:ext uri="{FF2B5EF4-FFF2-40B4-BE49-F238E27FC236}">
+                <a16:creationId xmlns:a16="http://schemas.microsoft.com/office/drawing/2014/main" id="{A4E61E8B-BBEA-4AB3-9670-E5081D7F91D0}"/>
+              </a:ext>
+            </a:extLst>
+          </p:cNvPr>
+          <p:cNvSpPr/>
+          <p:nvPr/>
+        </p:nvSpPr>
+        <p:spPr>
+          <a:xfrm>
+            <a:off x="10182667" y="9914553"/>
+            <a:ext cx="713120" cy="657461"/>
+          </a:xfrm>
+          <a:prstGeom prst="rect">
+            <a:avLst/>
+          </a:prstGeom>
+          <a:noFill/>
+        </p:spPr>
+        <p:style>
+          <a:lnRef idx="2">
+            <a:schemeClr val="accent1">
+              <a:shade val="50000"/>
+            </a:schemeClr>
+          </a:lnRef>
+          <a:fillRef idx="1">
+            <a:schemeClr val="accent1"/>
+          </a:fillRef>
+          <a:effectRef idx="0">
+            <a:schemeClr val="accent1"/>
+          </a:effectRef>
+          <a:fontRef idx="minor">
+            <a:schemeClr val="lt1"/>
+          </a:fontRef>
+        </p:style>
+        <p:txBody>
+          <a:bodyPr rtlCol="0" anchor="ctr"/>
+          <a:lstStyle/>
+          <a:p>
+            <a:pPr algn="ctr"/>
+            <a:r>
+              <a:rPr lang="en-US" altLang="ko-KR">
+                <a:solidFill>
+                  <a:schemeClr val="tx1"/>
+                </a:solidFill>
+              </a:rPr>
+              <a:t>6</a:t>
+            </a:r>
+            <a:endParaRPr lang="ko-KR" altLang="en-US">
+              <a:solidFill>
+                <a:schemeClr val="tx1"/>
+              </a:solidFill>
+            </a:endParaRPr>
+          </a:p>
+        </p:txBody>
+      </p:sp>
+      <p:sp>
+        <p:nvSpPr>
+          <p:cNvPr id="71" name="직사각형 70">
+            <a:extLst>
+              <a:ext uri="{FF2B5EF4-FFF2-40B4-BE49-F238E27FC236}">
+                <a16:creationId xmlns:a16="http://schemas.microsoft.com/office/drawing/2014/main" id="{DD6A494C-1DA6-4F9B-8C44-1B34E336474C}"/>
+              </a:ext>
+            </a:extLst>
+          </p:cNvPr>
+          <p:cNvSpPr/>
+          <p:nvPr/>
+        </p:nvSpPr>
+        <p:spPr>
+          <a:xfrm>
+            <a:off x="10905042" y="9914552"/>
+            <a:ext cx="713120" cy="657461"/>
+          </a:xfrm>
+          <a:prstGeom prst="rect">
+            <a:avLst/>
+          </a:prstGeom>
+          <a:noFill/>
+        </p:spPr>
+        <p:style>
+          <a:lnRef idx="2">
+            <a:schemeClr val="accent1">
+              <a:shade val="50000"/>
+            </a:schemeClr>
+          </a:lnRef>
+          <a:fillRef idx="1">
+            <a:schemeClr val="accent1"/>
+          </a:fillRef>
+          <a:effectRef idx="0">
+            <a:schemeClr val="accent1"/>
+          </a:effectRef>
+          <a:fontRef idx="minor">
+            <a:schemeClr val="lt1"/>
+          </a:fontRef>
+        </p:style>
+        <p:txBody>
+          <a:bodyPr rtlCol="0" anchor="ctr"/>
+          <a:lstStyle/>
+          <a:p>
+            <a:pPr algn="ctr"/>
+            <a:r>
+              <a:rPr lang="en-US" altLang="ko-KR">
+                <a:solidFill>
+                  <a:schemeClr val="tx1"/>
+                </a:solidFill>
+              </a:rPr>
+              <a:t>7</a:t>
+            </a:r>
+            <a:endParaRPr lang="ko-KR" altLang="en-US">
+              <a:solidFill>
+                <a:schemeClr val="tx1"/>
+              </a:solidFill>
+            </a:endParaRPr>
+          </a:p>
+        </p:txBody>
+      </p:sp>
+      <p:sp>
+        <p:nvSpPr>
+          <p:cNvPr id="72" name="직사각형 71">
+            <a:extLst>
+              <a:ext uri="{FF2B5EF4-FFF2-40B4-BE49-F238E27FC236}">
+                <a16:creationId xmlns:a16="http://schemas.microsoft.com/office/drawing/2014/main" id="{27BBC12A-702A-455E-A0DB-E428493F7E82}"/>
+              </a:ext>
+            </a:extLst>
+          </p:cNvPr>
+          <p:cNvSpPr/>
+          <p:nvPr/>
+        </p:nvSpPr>
+        <p:spPr>
+          <a:xfrm>
+            <a:off x="11604342" y="9914409"/>
+            <a:ext cx="713120" cy="657461"/>
+          </a:xfrm>
+          <a:prstGeom prst="rect">
+            <a:avLst/>
+          </a:prstGeom>
+          <a:noFill/>
+        </p:spPr>
+        <p:style>
+          <a:lnRef idx="2">
+            <a:schemeClr val="accent1">
+              <a:shade val="50000"/>
+            </a:schemeClr>
+          </a:lnRef>
+          <a:fillRef idx="1">
+            <a:schemeClr val="accent1"/>
+          </a:fillRef>
+          <a:effectRef idx="0">
+            <a:schemeClr val="accent1"/>
+          </a:effectRef>
+          <a:fontRef idx="minor">
+            <a:schemeClr val="lt1"/>
+          </a:fontRef>
+        </p:style>
+        <p:txBody>
+          <a:bodyPr rtlCol="0" anchor="ctr"/>
+          <a:lstStyle/>
+          <a:p>
+            <a:pPr algn="ctr"/>
+            <a:r>
+              <a:rPr lang="en-US" altLang="ko-KR">
+                <a:solidFill>
+                  <a:schemeClr val="tx1"/>
+                </a:solidFill>
+              </a:rPr>
+              <a:t>8</a:t>
+            </a:r>
+            <a:endParaRPr lang="ko-KR" altLang="en-US">
+              <a:solidFill>
+                <a:schemeClr val="tx1"/>
+              </a:solidFill>
+            </a:endParaRPr>
+          </a:p>
+        </p:txBody>
+      </p:sp>
+      <p:sp>
+        <p:nvSpPr>
+          <p:cNvPr id="73" name="직사각형 72">
+            <a:extLst>
+              <a:ext uri="{FF2B5EF4-FFF2-40B4-BE49-F238E27FC236}">
+                <a16:creationId xmlns:a16="http://schemas.microsoft.com/office/drawing/2014/main" id="{49ABB71C-31A0-4FA0-B46A-4C63BE828B7B}"/>
+              </a:ext>
+            </a:extLst>
+          </p:cNvPr>
+          <p:cNvSpPr/>
+          <p:nvPr/>
+        </p:nvSpPr>
+        <p:spPr>
+          <a:xfrm>
+            <a:off x="12317462" y="9914409"/>
+            <a:ext cx="713120" cy="657461"/>
+          </a:xfrm>
+          <a:prstGeom prst="rect">
+            <a:avLst/>
+          </a:prstGeom>
+          <a:noFill/>
+        </p:spPr>
+        <p:style>
+          <a:lnRef idx="2">
+            <a:schemeClr val="accent1">
+              <a:shade val="50000"/>
+            </a:schemeClr>
+          </a:lnRef>
+          <a:fillRef idx="1">
+            <a:schemeClr val="accent1"/>
+          </a:fillRef>
+          <a:effectRef idx="0">
+            <a:schemeClr val="accent1"/>
+          </a:effectRef>
+          <a:fontRef idx="minor">
+            <a:schemeClr val="lt1"/>
+          </a:fontRef>
+        </p:style>
+        <p:txBody>
+          <a:bodyPr rtlCol="0" anchor="ctr"/>
+          <a:lstStyle/>
+          <a:p>
+            <a:pPr algn="ctr"/>
+            <a:r>
+              <a:rPr lang="en-US" altLang="ko-KR">
+                <a:solidFill>
+                  <a:schemeClr val="tx1"/>
+                </a:solidFill>
+              </a:rPr>
+              <a:t>9</a:t>
+            </a:r>
+            <a:endParaRPr lang="ko-KR" altLang="en-US">
+              <a:solidFill>
+                <a:schemeClr val="tx1"/>
+              </a:solidFill>
+            </a:endParaRPr>
+          </a:p>
+        </p:txBody>
+      </p:sp>
+      <p:cxnSp>
+        <p:nvCxnSpPr>
+          <p:cNvPr id="74" name="직선 화살표 연결선 73">
+            <a:extLst>
+              <a:ext uri="{FF2B5EF4-FFF2-40B4-BE49-F238E27FC236}">
+                <a16:creationId xmlns:a16="http://schemas.microsoft.com/office/drawing/2014/main" id="{974DFBC5-F8DD-4234-B899-A002399CD08D}"/>
+              </a:ext>
+            </a:extLst>
+          </p:cNvPr>
+          <p:cNvCxnSpPr>
+            <a:cxnSpLocks/>
+          </p:cNvCxnSpPr>
+          <p:nvPr/>
+        </p:nvCxnSpPr>
+        <p:spPr>
+          <a:xfrm flipH="1">
+            <a:off x="8446688" y="8542828"/>
+            <a:ext cx="13887" cy="1371581"/>
+          </a:xfrm>
+          <a:prstGeom prst="straightConnector1">
+            <a:avLst/>
+          </a:prstGeom>
+          <a:ln>
+            <a:tailEnd type="triangle"/>
+          </a:ln>
+        </p:spPr>
+        <p:style>
+          <a:lnRef idx="1">
+            <a:schemeClr val="accent1"/>
+          </a:lnRef>
+          <a:fillRef idx="0">
+            <a:schemeClr val="accent1"/>
+          </a:fillRef>
+          <a:effectRef idx="0">
+            <a:schemeClr val="accent1"/>
+          </a:effectRef>
+          <a:fontRef idx="minor">
+            <a:schemeClr val="tx1"/>
+          </a:fontRef>
+        </p:style>
+      </p:cxnSp>
+      <p:cxnSp>
+        <p:nvCxnSpPr>
+          <p:cNvPr id="75" name="직선 화살표 연결선 74">
+            <a:extLst>
+              <a:ext uri="{FF2B5EF4-FFF2-40B4-BE49-F238E27FC236}">
+                <a16:creationId xmlns:a16="http://schemas.microsoft.com/office/drawing/2014/main" id="{EC6C9CF9-ECF4-408F-8C1F-80B0DBD081F9}"/>
+              </a:ext>
+            </a:extLst>
+          </p:cNvPr>
+          <p:cNvCxnSpPr>
+            <a:cxnSpLocks/>
+          </p:cNvCxnSpPr>
+          <p:nvPr/>
+        </p:nvCxnSpPr>
+        <p:spPr>
+          <a:xfrm>
+            <a:off x="7694783" y="9237989"/>
+            <a:ext cx="0" cy="676421"/>
+          </a:xfrm>
+          <a:prstGeom prst="straightConnector1">
+            <a:avLst/>
+          </a:prstGeom>
+          <a:ln>
+            <a:tailEnd type="triangle"/>
+          </a:ln>
+        </p:spPr>
+        <p:style>
+          <a:lnRef idx="1">
+            <a:schemeClr val="dk1"/>
+          </a:lnRef>
+          <a:fillRef idx="0">
+            <a:schemeClr val="dk1"/>
+          </a:fillRef>
+          <a:effectRef idx="0">
+            <a:schemeClr val="dk1"/>
+          </a:effectRef>
+          <a:fontRef idx="minor">
+            <a:schemeClr val="tx1"/>
+          </a:fontRef>
+        </p:style>
+      </p:cxnSp>
+      <p:cxnSp>
+        <p:nvCxnSpPr>
+          <p:cNvPr id="76" name="직선 화살표 연결선 75">
+            <a:extLst>
+              <a:ext uri="{FF2B5EF4-FFF2-40B4-BE49-F238E27FC236}">
+                <a16:creationId xmlns:a16="http://schemas.microsoft.com/office/drawing/2014/main" id="{0C72DC2D-2D28-41BD-8535-802C541774FC}"/>
+              </a:ext>
+            </a:extLst>
+          </p:cNvPr>
+          <p:cNvCxnSpPr>
+            <a:cxnSpLocks/>
+          </p:cNvCxnSpPr>
+          <p:nvPr/>
+        </p:nvCxnSpPr>
+        <p:spPr>
+          <a:xfrm>
+            <a:off x="9858489" y="9237989"/>
+            <a:ext cx="7341" cy="676420"/>
+          </a:xfrm>
+          <a:prstGeom prst="straightConnector1">
+            <a:avLst/>
+          </a:prstGeom>
+          <a:ln>
+            <a:tailEnd type="triangle"/>
+          </a:ln>
+        </p:spPr>
+        <p:style>
+          <a:lnRef idx="1">
+            <a:schemeClr val="accent2"/>
+          </a:lnRef>
+          <a:fillRef idx="0">
+            <a:schemeClr val="accent2"/>
+          </a:fillRef>
+          <a:effectRef idx="0">
+            <a:schemeClr val="accent2"/>
+          </a:effectRef>
+          <a:fontRef idx="minor">
+            <a:schemeClr val="tx1"/>
+          </a:fontRef>
+        </p:style>
+      </p:cxnSp>
+    </p:spTree>
+    <p:extLst>
+      <p:ext uri="{BB962C8B-B14F-4D97-AF65-F5344CB8AC3E}">
+        <p14:creationId xmlns:p14="http://schemas.microsoft.com/office/powerpoint/2010/main" val="2725505123"/>
+      </p:ext>
+    </p:extLst>
+  </p:cSld>
+  <p:clrMapOvr>
+    <a:masterClrMapping/>
+  </p:clrMapOvr>
+</p:sld>
+</file>
+
 <file path=ppt/slides/slide2.xml><?xml version="1.0" encoding="utf-8"?>
 <p:sld xmlns:a="http://schemas.openxmlformats.org/drawingml/2006/main" xmlns:r="http://schemas.openxmlformats.org/officeDocument/2006/relationships" xmlns:p="http://schemas.openxmlformats.org/presentationml/2006/main">
   <p:cSld>
